--- a/林宗億工作室/Baseball.pptx
+++ b/林宗億工作室/Baseball.pptx
@@ -108,6 +108,11 @@
       </a:defRPr>
     </a:lvl9pPr>
   </p:defaultTextStyle>
+  <p:extLst>
+    <p:ext uri="{EFAFB233-063F-42B5-8137-9DF3F51BA10A}">
+      <p15:sldGuideLst xmlns:p15="http://schemas.microsoft.com/office/powerpoint/2012/main"/>
+    </p:ext>
+  </p:extLst>
 </p:presentation>
 </file>
 

--- a/林宗億工作室/Baseball.pptx
+++ b/林宗億工作室/Baseball.pptx
@@ -8,8 +8,9 @@
     <p:sldId id="256" r:id="rId2"/>
     <p:sldId id="257" r:id="rId3"/>
     <p:sldId id="258" r:id="rId4"/>
-    <p:sldId id="259" r:id="rId5"/>
-    <p:sldId id="260" r:id="rId6"/>
+    <p:sldId id="261" r:id="rId5"/>
+    <p:sldId id="259" r:id="rId6"/>
+    <p:sldId id="260" r:id="rId7"/>
   </p:sldIdLst>
   <p:sldSz cx="12192000" cy="6858000"/>
   <p:notesSz cx="6858000" cy="9144000"/>
@@ -573,7 +574,7 @@
           <a:p>
             <a:fld id="{F7AFFB9B-9FB8-469E-96F9-4D32314110B6}" type="datetimeFigureOut">
               <a:rPr lang="en-US" dirty="0"/>
-              <a:t>6/10/2017</a:t>
+              <a:t>6/11/2017</a:t>
             </a:fld>
             <a:endParaRPr lang="en-US" dirty="0"/>
           </a:p>
@@ -901,7 +902,7 @@
           <a:p>
             <a:fld id="{341D2AC3-6A0B-4169-B1EA-E3AE8B351BDD}" type="datetimeFigureOut">
               <a:rPr lang="en-US" dirty="0"/>
-              <a:t>6/10/2017</a:t>
+              <a:t>6/11/2017</a:t>
             </a:fld>
             <a:endParaRPr lang="en-US" dirty="0"/>
           </a:p>
@@ -1092,7 +1093,7 @@
           <a:p>
             <a:fld id="{DD4B9363-8B87-41B7-9F8E-64519CBB8F34}" type="datetimeFigureOut">
               <a:rPr lang="en-US" dirty="0"/>
-              <a:t>6/10/2017</a:t>
+              <a:t>6/11/2017</a:t>
             </a:fld>
             <a:endParaRPr lang="en-US" dirty="0"/>
           </a:p>
@@ -1357,7 +1358,7 @@
           <a:p>
             <a:fld id="{EAEF5746-5284-4951-9F37-7AE924EDBCB7}" type="datetimeFigureOut">
               <a:rPr lang="en-US" dirty="0"/>
-              <a:t>6/10/2017</a:t>
+              <a:t>6/11/2017</a:t>
             </a:fld>
             <a:endParaRPr lang="en-US" dirty="0"/>
           </a:p>
@@ -1780,7 +1781,7 @@
           <a:p>
             <a:fld id="{02398B29-7265-4A65-A2A4-6703C057B7C1}" type="datetimeFigureOut">
               <a:rPr lang="en-US" dirty="0"/>
-              <a:t>6/10/2017</a:t>
+              <a:t>6/11/2017</a:t>
             </a:fld>
             <a:endParaRPr lang="en-US" dirty="0"/>
           </a:p>
@@ -2325,7 +2326,7 @@
           <a:p>
             <a:fld id="{28FBA082-94DF-4C4B-A041-6624924AB0A8}" type="datetimeFigureOut">
               <a:rPr lang="en-US" dirty="0"/>
-              <a:t>6/10/2017</a:t>
+              <a:t>6/11/2017</a:t>
             </a:fld>
             <a:endParaRPr lang="en-US" dirty="0"/>
           </a:p>
@@ -3110,7 +3111,7 @@
           <a:p>
             <a:fld id="{B27686C4-3AB5-4E0C-86CA-FB108C350AA9}" type="datetimeFigureOut">
               <a:rPr lang="en-US" dirty="0"/>
-              <a:t>6/10/2017</a:t>
+              <a:t>6/11/2017</a:t>
             </a:fld>
             <a:endParaRPr lang="en-US" dirty="0"/>
           </a:p>
@@ -3284,7 +3285,7 @@
           <a:p>
             <a:fld id="{49FF1211-4E0C-4AB3-B04F-585959BDAFE8}" type="datetimeFigureOut">
               <a:rPr lang="en-US" dirty="0"/>
-              <a:t>6/10/2017</a:t>
+              <a:t>6/11/2017</a:t>
             </a:fld>
             <a:endParaRPr lang="en-US" dirty="0"/>
           </a:p>
@@ -3463,7 +3464,7 @@
           <a:p>
             <a:fld id="{28BDECAF-D3BE-4069-9C78-642ECCD01477}" type="datetimeFigureOut">
               <a:rPr lang="en-US" dirty="0"/>
-              <a:t>6/10/2017</a:t>
+              <a:t>6/11/2017</a:t>
             </a:fld>
             <a:endParaRPr lang="en-US" dirty="0"/>
           </a:p>
@@ -3633,7 +3634,7 @@
           <a:p>
             <a:fld id="{8EFBDC27-E420-4878-9EE6-7B9656D6442A}" type="datetimeFigureOut">
               <a:rPr lang="en-US" dirty="0"/>
-              <a:t>6/10/2017</a:t>
+              <a:t>6/11/2017</a:t>
             </a:fld>
             <a:endParaRPr lang="en-US" dirty="0"/>
           </a:p>
@@ -3878,7 +3879,7 @@
           <a:p>
             <a:fld id="{0F7F47CF-67C9-420C-80A5-E2069FF0C2DF}" type="datetimeFigureOut">
               <a:rPr lang="en-US" dirty="0"/>
-              <a:t>6/10/2017</a:t>
+              <a:t>6/11/2017</a:t>
             </a:fld>
             <a:endParaRPr lang="en-US" dirty="0"/>
           </a:p>
@@ -4110,7 +4111,7 @@
           <a:p>
             <a:fld id="{AE22DC73-F065-42F5-A9F2-D90B2E42A0B3}" type="datetimeFigureOut">
               <a:rPr lang="en-US" dirty="0"/>
-              <a:t>6/10/2017</a:t>
+              <a:t>6/11/2017</a:t>
             </a:fld>
             <a:endParaRPr lang="en-US" dirty="0"/>
           </a:p>
@@ -4490,7 +4491,7 @@
           <a:p>
             <a:fld id="{76BEA702-9B29-41CC-9BCC-3DF8A0D379FE}" type="datetimeFigureOut">
               <a:rPr lang="en-US" dirty="0"/>
-              <a:t>6/10/2017</a:t>
+              <a:t>6/11/2017</a:t>
             </a:fld>
             <a:endParaRPr lang="en-US" dirty="0"/>
           </a:p>
@@ -4603,7 +4604,7 @@
           <a:p>
             <a:fld id="{097649AC-CB8F-4FF1-9A34-5861C74DD0A7}" type="datetimeFigureOut">
               <a:rPr lang="en-US" dirty="0"/>
-              <a:t>6/10/2017</a:t>
+              <a:t>6/11/2017</a:t>
             </a:fld>
             <a:endParaRPr lang="en-US" dirty="0"/>
           </a:p>
@@ -4693,7 +4694,7 @@
           <a:p>
             <a:fld id="{3EC5CECA-2D3A-4680-9B49-752200DE467C}" type="datetimeFigureOut">
               <a:rPr lang="en-US" dirty="0"/>
-              <a:t>6/10/2017</a:t>
+              <a:t>6/11/2017</a:t>
             </a:fld>
             <a:endParaRPr lang="en-US" dirty="0"/>
           </a:p>
@@ -4941,7 +4942,7 @@
           <a:p>
             <a:fld id="{50C3BFE2-83B7-4B0A-B9D3-AB28331082B3}" type="datetimeFigureOut">
               <a:rPr lang="en-US" dirty="0"/>
-              <a:t>6/10/2017</a:t>
+              <a:t>6/11/2017</a:t>
             </a:fld>
             <a:endParaRPr lang="en-US" dirty="0"/>
           </a:p>
@@ -5205,7 +5206,7 @@
           <a:p>
             <a:fld id="{12EF78E3-FDA3-4D28-AAA2-0B81F349A39D}" type="datetimeFigureOut">
               <a:rPr lang="en-US" dirty="0"/>
-              <a:t>6/10/2017</a:t>
+              <a:t>6/11/2017</a:t>
             </a:fld>
             <a:endParaRPr lang="en-US" dirty="0"/>
           </a:p>
@@ -5603,7 +5604,7 @@
           <a:p>
             <a:fld id="{C35BB1C6-BF8F-4481-8AB2-603A1C8A906A}" type="datetimeFigureOut">
               <a:rPr lang="en-US" dirty="0"/>
-              <a:t>6/10/2017</a:t>
+              <a:t>6/11/2017</a:t>
             </a:fld>
             <a:endParaRPr lang="en-US" dirty="0"/>
           </a:p>
@@ -6074,7 +6075,7 @@
           <a:p>
             <a:r>
               <a:rPr lang="en-US" altLang="zh-TW" dirty="0"/>
-              <a:t>Baseball</a:t>
+              <a:t>Baseball  Life</a:t>
             </a:r>
             <a:endParaRPr lang="zh-TW" altLang="en-US" dirty="0"/>
           </a:p>
@@ -7458,6 +7459,135 @@
   <p:clrMapOvr>
     <a:masterClrMapping/>
   </p:clrMapOvr>
+  <p:timing>
+    <p:tnLst>
+      <p:par>
+        <p:cTn id="1" dur="indefinite" restart="never" nodeType="tmRoot">
+          <p:childTnLst>
+            <p:seq concurrent="1" nextAc="seek">
+              <p:cTn id="2" dur="indefinite" nodeType="mainSeq">
+                <p:childTnLst>
+                  <p:par>
+                    <p:cTn id="3" fill="hold">
+                      <p:stCondLst>
+                        <p:cond delay="indefinite"/>
+                      </p:stCondLst>
+                      <p:childTnLst>
+                        <p:par>
+                          <p:cTn id="4" fill="hold">
+                            <p:stCondLst>
+                              <p:cond delay="0"/>
+                            </p:stCondLst>
+                            <p:childTnLst>
+                              <p:par>
+                                <p:cTn id="5" presetID="42" presetClass="entr" presetSubtype="0" fill="hold" nodeType="clickEffect">
+                                  <p:stCondLst>
+                                    <p:cond delay="0"/>
+                                  </p:stCondLst>
+                                  <p:childTnLst>
+                                    <p:set>
+                                      <p:cBhvr>
+                                        <p:cTn id="6" dur="1" fill="hold">
+                                          <p:stCondLst>
+                                            <p:cond delay="0"/>
+                                          </p:stCondLst>
+                                        </p:cTn>
+                                        <p:tgtEl>
+                                          <p:spTgt spid="5"/>
+                                        </p:tgtEl>
+                                        <p:attrNameLst>
+                                          <p:attrName>style.visibility</p:attrName>
+                                        </p:attrNameLst>
+                                      </p:cBhvr>
+                                      <p:to>
+                                        <p:strVal val="visible"/>
+                                      </p:to>
+                                    </p:set>
+                                    <p:animEffect transition="in" filter="fade">
+                                      <p:cBhvr>
+                                        <p:cTn id="7" dur="1000"/>
+                                        <p:tgtEl>
+                                          <p:spTgt spid="5"/>
+                                        </p:tgtEl>
+                                      </p:cBhvr>
+                                    </p:animEffect>
+                                    <p:anim calcmode="lin" valueType="num">
+                                      <p:cBhvr>
+                                        <p:cTn id="8" dur="1000" fill="hold"/>
+                                        <p:tgtEl>
+                                          <p:spTgt spid="5"/>
+                                        </p:tgtEl>
+                                        <p:attrNameLst>
+                                          <p:attrName>ppt_x</p:attrName>
+                                        </p:attrNameLst>
+                                      </p:cBhvr>
+                                      <p:tavLst>
+                                        <p:tav tm="0">
+                                          <p:val>
+                                            <p:strVal val="#ppt_x"/>
+                                          </p:val>
+                                        </p:tav>
+                                        <p:tav tm="100000">
+                                          <p:val>
+                                            <p:strVal val="#ppt_x"/>
+                                          </p:val>
+                                        </p:tav>
+                                      </p:tavLst>
+                                    </p:anim>
+                                    <p:anim calcmode="lin" valueType="num">
+                                      <p:cBhvr>
+                                        <p:cTn id="9" dur="1000" fill="hold"/>
+                                        <p:tgtEl>
+                                          <p:spTgt spid="5"/>
+                                        </p:tgtEl>
+                                        <p:attrNameLst>
+                                          <p:attrName>ppt_y</p:attrName>
+                                        </p:attrNameLst>
+                                      </p:cBhvr>
+                                      <p:tavLst>
+                                        <p:tav tm="0">
+                                          <p:val>
+                                            <p:strVal val="#ppt_y+.1"/>
+                                          </p:val>
+                                        </p:tav>
+                                        <p:tav tm="100000">
+                                          <p:val>
+                                            <p:strVal val="#ppt_y"/>
+                                          </p:val>
+                                        </p:tav>
+                                      </p:tavLst>
+                                    </p:anim>
+                                  </p:childTnLst>
+                                </p:cTn>
+                              </p:par>
+                            </p:childTnLst>
+                          </p:cTn>
+                        </p:par>
+                      </p:childTnLst>
+                    </p:cTn>
+                  </p:par>
+                </p:childTnLst>
+              </p:cTn>
+              <p:prevCondLst>
+                <p:cond evt="onPrev" delay="0">
+                  <p:tgtEl>
+                    <p:sldTgt/>
+                  </p:tgtEl>
+                </p:cond>
+              </p:prevCondLst>
+              <p:nextCondLst>
+                <p:cond evt="onNext" delay="0">
+                  <p:tgtEl>
+                    <p:sldTgt/>
+                  </p:tgtEl>
+                </p:cond>
+              </p:nextCondLst>
+            </p:seq>
+          </p:childTnLst>
+        </p:cTn>
+      </p:par>
+    </p:tnLst>
+  </p:timing>
 </p:sld>
 </file>
 
@@ -7480,6 +7610,1397 @@
       </p:grpSpPr>
       <p:sp>
         <p:nvSpPr>
+          <p:cNvPr id="66" name="Rectangle 39"/>
+          <p:cNvSpPr>
+            <a:spLocks noGrp="1" noRot="1" noChangeAspect="1" noMove="1" noResize="1" noEditPoints="1" noAdjustHandles="1" noChangeArrowheads="1" noChangeShapeType="1" noTextEdit="1"/>
+          </p:cNvSpPr>
+          <p:nvPr>
+            <p:extLst>
+              <p:ext uri="{386F3935-93C4-4BCD-93E2-E3B085C9AB24}">
+                <p16:designElem xmlns:p16="http://schemas.microsoft.com/office/powerpoint/2015/main" val="1"/>
+              </p:ext>
+            </p:extLst>
+          </p:nvPr>
+        </p:nvSpPr>
+        <p:spPr bwMode="white">
+          <a:xfrm>
+            <a:off x="0" y="0"/>
+            <a:ext cx="12192000" cy="6858000"/>
+          </a:xfrm>
+          <a:prstGeom prst="rect">
+            <a:avLst/>
+          </a:prstGeom>
+          <a:blipFill>
+            <a:blip r:embed="rId2">
+              <a:duotone>
+                <a:schemeClr val="bg1">
+                  <a:shade val="48000"/>
+                  <a:satMod val="110000"/>
+                  <a:lumMod val="40000"/>
+                </a:schemeClr>
+                <a:schemeClr val="bg1">
+                  <a:tint val="90000"/>
+                  <a:lumMod val="106000"/>
+                </a:schemeClr>
+              </a:duotone>
+            </a:blip>
+            <a:stretch/>
+          </a:blipFill>
+          <a:ln>
+            <a:noFill/>
+          </a:ln>
+          <a:effectLst/>
+        </p:spPr>
+      </p:sp>
+      <p:pic>
+        <p:nvPicPr>
+          <p:cNvPr id="67" name="Picture 41"/>
+          <p:cNvPicPr>
+            <a:picLocks noGrp="1" noRot="1" noChangeAspect="1" noMove="1" noResize="1" noEditPoints="1" noAdjustHandles="1" noChangeArrowheads="1" noChangeShapeType="1" noCrop="1"/>
+          </p:cNvPicPr>
+          <p:nvPr>
+            <p:extLst>
+              <p:ext uri="{386F3935-93C4-4BCD-93E2-E3B085C9AB24}">
+                <p16:designElem xmlns:p16="http://schemas.microsoft.com/office/powerpoint/2015/main" val="1"/>
+              </p:ext>
+            </p:extLst>
+          </p:nvPr>
+        </p:nvPicPr>
+        <p:blipFill>
+          <a:blip r:embed="rId3">
+            <a:extLst>
+              <a:ext uri="{28A0092B-C50C-407E-A947-70E740481C1C}">
+                <a14:useLocalDpi xmlns:a14="http://schemas.microsoft.com/office/drawing/2010/main" val="0"/>
+              </a:ext>
+            </a:extLst>
+          </a:blip>
+          <a:stretch>
+            <a:fillRect/>
+          </a:stretch>
+        </p:blipFill>
+        <p:spPr>
+          <a:xfrm>
+            <a:off x="0" y="0"/>
+            <a:ext cx="12192000" cy="6858000"/>
+          </a:xfrm>
+          <a:prstGeom prst="rect">
+            <a:avLst/>
+          </a:prstGeom>
+        </p:spPr>
+      </p:pic>
+      <p:sp useBgFill="1">
+        <p:nvSpPr>
+          <p:cNvPr id="68" name="Freeform 11"/>
+          <p:cNvSpPr>
+            <a:spLocks noGrp="1" noRot="1" noChangeAspect="1" noMove="1" noResize="1" noEditPoints="1" noAdjustHandles="1" noChangeArrowheads="1" noChangeShapeType="1" noTextEdit="1"/>
+          </p:cNvSpPr>
+          <p:nvPr>
+            <p:extLst>
+              <p:ext uri="{386F3935-93C4-4BCD-93E2-E3B085C9AB24}">
+                <p16:designElem xmlns:p16="http://schemas.microsoft.com/office/powerpoint/2015/main" val="1"/>
+              </p:ext>
+            </p:extLst>
+          </p:nvPr>
+        </p:nvSpPr>
+        <p:spPr>
+          <a:xfrm>
+            <a:off x="-15875" y="0"/>
+            <a:ext cx="11683810" cy="6588125"/>
+          </a:xfrm>
+          <a:custGeom>
+            <a:avLst/>
+            <a:gdLst/>
+            <a:ahLst/>
+            <a:cxnLst/>
+            <a:rect l="l" t="t" r="r" b="b"/>
+            <a:pathLst>
+              <a:path w="11683810" h="6588125">
+                <a:moveTo>
+                  <a:pt x="0" y="0"/>
+                </a:moveTo>
+                <a:lnTo>
+                  <a:pt x="11318691" y="0"/>
+                </a:lnTo>
+                <a:lnTo>
+                  <a:pt x="11683810" y="5976938"/>
+                </a:lnTo>
+                <a:lnTo>
+                  <a:pt x="15875" y="6588125"/>
+                </a:lnTo>
+                <a:cubicBezTo>
+                  <a:pt x="10583" y="4386792"/>
+                  <a:pt x="5292" y="2185458"/>
+                  <a:pt x="0" y="0"/>
+                </a:cubicBezTo>
+                <a:close/>
+              </a:path>
+            </a:pathLst>
+          </a:custGeom>
+          <a:ln>
+            <a:noFill/>
+          </a:ln>
+          <a:effectLst>
+            <a:outerShdw blurRad="101600" dist="152400" dir="4380000" algn="tl" rotWithShape="0">
+              <a:srgbClr val="000000">
+                <a:alpha val="43000"/>
+              </a:srgbClr>
+            </a:outerShdw>
+          </a:effectLst>
+        </p:spPr>
+        <p:style>
+          <a:lnRef idx="1">
+            <a:schemeClr val="accent1"/>
+          </a:lnRef>
+          <a:fillRef idx="3">
+            <a:schemeClr val="accent1"/>
+          </a:fillRef>
+          <a:effectRef idx="2">
+            <a:schemeClr val="accent1"/>
+          </a:effectRef>
+          <a:fontRef idx="minor">
+            <a:schemeClr val="lt1"/>
+          </a:fontRef>
+        </p:style>
+      </p:sp>
+      <p:sp>
+        <p:nvSpPr>
+          <p:cNvPr id="69" name="Freeform 13"/>
+          <p:cNvSpPr>
+            <a:spLocks noGrp="1" noRot="1" noChangeAspect="1" noMove="1" noResize="1" noEditPoints="1" noAdjustHandles="1" noChangeArrowheads="1" noChangeShapeType="1" noTextEdit="1"/>
+          </p:cNvSpPr>
+          <p:nvPr>
+            <p:extLst>
+              <p:ext uri="{386F3935-93C4-4BCD-93E2-E3B085C9AB24}">
+                <p16:designElem xmlns:p16="http://schemas.microsoft.com/office/powerpoint/2015/main" val="1"/>
+              </p:ext>
+            </p:extLst>
+          </p:nvPr>
+        </p:nvSpPr>
+        <p:spPr>
+          <a:xfrm>
+            <a:off x="0" y="4282257"/>
+            <a:ext cx="11329257" cy="2028845"/>
+          </a:xfrm>
+          <a:custGeom>
+            <a:avLst/>
+            <a:gdLst/>
+            <a:ahLst/>
+            <a:cxnLst/>
+            <a:rect l="l" t="t" r="r" b="b"/>
+            <a:pathLst>
+              <a:path w="11329257" h="2028845">
+                <a:moveTo>
+                  <a:pt x="0" y="588520"/>
+                </a:moveTo>
+                <a:lnTo>
+                  <a:pt x="11244075" y="0"/>
+                </a:lnTo>
+                <a:lnTo>
+                  <a:pt x="11329257" y="1424838"/>
+                </a:lnTo>
+                <a:lnTo>
+                  <a:pt x="0" y="2028845"/>
+                </a:lnTo>
+                <a:lnTo>
+                  <a:pt x="0" y="588520"/>
+                </a:lnTo>
+                <a:close/>
+              </a:path>
+            </a:pathLst>
+          </a:custGeom>
+          <a:gradFill flip="none" rotWithShape="1">
+            <a:gsLst>
+              <a:gs pos="34000">
+                <a:schemeClr val="accent1"/>
+              </a:gs>
+              <a:gs pos="100000">
+                <a:schemeClr val="accent1">
+                  <a:lumMod val="50000"/>
+                </a:schemeClr>
+              </a:gs>
+            </a:gsLst>
+            <a:path path="circle">
+              <a:fillToRect l="50000" t="50000" r="50000" b="50000"/>
+            </a:path>
+            <a:tileRect/>
+          </a:gradFill>
+          <a:ln>
+            <a:noFill/>
+          </a:ln>
+        </p:spPr>
+        <p:style>
+          <a:lnRef idx="1">
+            <a:schemeClr val="accent1"/>
+          </a:lnRef>
+          <a:fillRef idx="3">
+            <a:schemeClr val="accent1"/>
+          </a:fillRef>
+          <a:effectRef idx="2">
+            <a:schemeClr val="accent1"/>
+          </a:effectRef>
+          <a:fontRef idx="minor">
+            <a:schemeClr val="lt1"/>
+          </a:fontRef>
+        </p:style>
+      </p:sp>
+      <p:sp>
+        <p:nvSpPr>
+          <p:cNvPr id="70" name="Freeform 25"/>
+          <p:cNvSpPr>
+            <a:spLocks noGrp="1" noRot="1" noChangeAspect="1" noMove="1" noResize="1" noEditPoints="1" noAdjustHandles="1" noChangeArrowheads="1" noChangeShapeType="1" noTextEdit="1"/>
+          </p:cNvSpPr>
+          <p:nvPr>
+            <p:extLst>
+              <p:ext uri="{386F3935-93C4-4BCD-93E2-E3B085C9AB24}">
+                <p16:designElem xmlns:p16="http://schemas.microsoft.com/office/powerpoint/2015/main" val="1"/>
+              </p:ext>
+            </p:extLst>
+          </p:nvPr>
+        </p:nvSpPr>
+        <p:spPr>
+          <a:xfrm>
+            <a:off x="0" y="0"/>
+            <a:ext cx="8719579" cy="456877"/>
+          </a:xfrm>
+          <a:custGeom>
+            <a:avLst/>
+            <a:gdLst/>
+            <a:ahLst/>
+            <a:cxnLst/>
+            <a:rect l="l" t="t" r="r" b="b"/>
+            <a:pathLst>
+              <a:path w="8719579" h="456877">
+                <a:moveTo>
+                  <a:pt x="0" y="0"/>
+                </a:moveTo>
+                <a:lnTo>
+                  <a:pt x="8719579" y="0"/>
+                </a:lnTo>
+                <a:lnTo>
+                  <a:pt x="0" y="456877"/>
+                </a:lnTo>
+                <a:lnTo>
+                  <a:pt x="0" y="0"/>
+                </a:lnTo>
+                <a:close/>
+              </a:path>
+            </a:pathLst>
+          </a:custGeom>
+          <a:gradFill flip="none" rotWithShape="1">
+            <a:gsLst>
+              <a:gs pos="34000">
+                <a:schemeClr val="accent1"/>
+              </a:gs>
+              <a:gs pos="100000">
+                <a:schemeClr val="accent1">
+                  <a:lumMod val="50000"/>
+                </a:schemeClr>
+              </a:gs>
+            </a:gsLst>
+            <a:path path="circle">
+              <a:fillToRect l="50000" t="50000" r="50000" b="50000"/>
+            </a:path>
+            <a:tileRect/>
+          </a:gradFill>
+          <a:ln>
+            <a:noFill/>
+          </a:ln>
+        </p:spPr>
+        <p:style>
+          <a:lnRef idx="1">
+            <a:schemeClr val="accent1"/>
+          </a:lnRef>
+          <a:fillRef idx="3">
+            <a:schemeClr val="accent1"/>
+          </a:fillRef>
+          <a:effectRef idx="2">
+            <a:schemeClr val="accent1"/>
+          </a:effectRef>
+          <a:fontRef idx="minor">
+            <a:schemeClr val="lt1"/>
+          </a:fontRef>
+        </p:style>
+      </p:sp>
+      <p:sp>
+        <p:nvSpPr>
+          <p:cNvPr id="71" name="Freeform 14"/>
+          <p:cNvSpPr>
+            <a:spLocks noGrp="1" noRot="1" noChangeAspect="1" noMove="1" noResize="1" noEditPoints="1" noAdjustHandles="1" noChangeArrowheads="1" noChangeShapeType="1" noTextEdit="1"/>
+          </p:cNvSpPr>
+          <p:nvPr>
+            <p:extLst>
+              <p:ext uri="{386F3935-93C4-4BCD-93E2-E3B085C9AB24}">
+                <p16:designElem xmlns:p16="http://schemas.microsoft.com/office/powerpoint/2015/main" val="1"/>
+              </p:ext>
+            </p:extLst>
+          </p:nvPr>
+        </p:nvSpPr>
+        <p:spPr>
+          <a:xfrm rot="21420000">
+            <a:off x="-161800" y="293317"/>
+            <a:ext cx="11367116" cy="5751804"/>
+          </a:xfrm>
+          <a:custGeom>
+            <a:avLst/>
+            <a:gdLst/>
+            <a:ahLst/>
+            <a:cxnLst/>
+            <a:rect l="l" t="t" r="r" b="b"/>
+            <a:pathLst>
+              <a:path w="11367116" h="5751804">
+                <a:moveTo>
+                  <a:pt x="11346705" y="0"/>
+                </a:moveTo>
+                <a:cubicBezTo>
+                  <a:pt x="11353509" y="1915114"/>
+                  <a:pt x="11360312" y="3830229"/>
+                  <a:pt x="11367116" y="5745343"/>
+                </a:cubicBezTo>
+                <a:lnTo>
+                  <a:pt x="0" y="5751804"/>
+                </a:lnTo>
+              </a:path>
+            </a:pathLst>
+          </a:custGeom>
+          <a:ln w="82550">
+            <a:solidFill>
+              <a:schemeClr val="tx1">
+                <a:lumMod val="50000"/>
+                <a:lumOff val="50000"/>
+              </a:schemeClr>
+            </a:solidFill>
+            <a:miter lim="800000"/>
+          </a:ln>
+        </p:spPr>
+        <p:style>
+          <a:lnRef idx="2">
+            <a:schemeClr val="accent1"/>
+          </a:lnRef>
+          <a:fillRef idx="0">
+            <a:schemeClr val="accent1"/>
+          </a:fillRef>
+          <a:effectRef idx="1">
+            <a:schemeClr val="accent1"/>
+          </a:effectRef>
+          <a:fontRef idx="minor">
+            <a:schemeClr val="tx1"/>
+          </a:fontRef>
+        </p:style>
+      </p:sp>
+      <p:sp>
+        <p:nvSpPr>
+          <p:cNvPr id="72" name="5-Point Star 24"/>
+          <p:cNvSpPr>
+            <a:spLocks noGrp="1" noRot="1" noChangeAspect="1" noMove="1" noResize="1" noEditPoints="1" noAdjustHandles="1" noChangeArrowheads="1" noChangeShapeType="1" noTextEdit="1"/>
+          </p:cNvSpPr>
+          <p:nvPr>
+            <p:extLst>
+              <p:ext uri="{386F3935-93C4-4BCD-93E2-E3B085C9AB24}">
+                <p16:designElem xmlns:p16="http://schemas.microsoft.com/office/powerpoint/2015/main" val="1"/>
+              </p:ext>
+            </p:extLst>
+          </p:nvPr>
+        </p:nvSpPr>
+        <p:spPr>
+          <a:xfrm rot="21420000">
+            <a:off x="4221385" y="5111356"/>
+            <a:ext cx="515386" cy="515386"/>
+          </a:xfrm>
+          <a:prstGeom prst="star5">
+            <a:avLst>
+              <a:gd name="adj" fmla="val 26693"/>
+              <a:gd name="hf" fmla="val 105146"/>
+              <a:gd name="vf" fmla="val 110557"/>
+            </a:avLst>
+          </a:prstGeom>
+          <a:solidFill>
+            <a:schemeClr val="tx1">
+              <a:alpha val="40000"/>
+            </a:schemeClr>
+          </a:solidFill>
+          <a:ln>
+            <a:noFill/>
+          </a:ln>
+        </p:spPr>
+        <p:style>
+          <a:lnRef idx="1">
+            <a:schemeClr val="accent1"/>
+          </a:lnRef>
+          <a:fillRef idx="3">
+            <a:schemeClr val="accent1"/>
+          </a:fillRef>
+          <a:effectRef idx="2">
+            <a:schemeClr val="accent1"/>
+          </a:effectRef>
+          <a:fontRef idx="minor">
+            <a:schemeClr val="lt1"/>
+          </a:fontRef>
+        </p:style>
+      </p:sp>
+      <p:pic>
+        <p:nvPicPr>
+          <p:cNvPr id="73" name="Picture 53"/>
+          <p:cNvPicPr>
+            <a:picLocks noGrp="1" noRot="1" noChangeAspect="1" noMove="1" noResize="1" noEditPoints="1" noAdjustHandles="1" noChangeArrowheads="1" noChangeShapeType="1" noCrop="1"/>
+          </p:cNvPicPr>
+          <p:nvPr>
+            <p:extLst>
+              <p:ext uri="{386F3935-93C4-4BCD-93E2-E3B085C9AB24}">
+                <p16:designElem xmlns:p16="http://schemas.microsoft.com/office/powerpoint/2015/main" val="1"/>
+              </p:ext>
+            </p:extLst>
+          </p:nvPr>
+        </p:nvPicPr>
+        <p:blipFill>
+          <a:blip r:embed="rId3">
+            <a:extLst>
+              <a:ext uri="{28A0092B-C50C-407E-A947-70E740481C1C}">
+                <a14:useLocalDpi xmlns:a14="http://schemas.microsoft.com/office/drawing/2010/main" val="0"/>
+              </a:ext>
+            </a:extLst>
+          </a:blip>
+          <a:stretch>
+            <a:fillRect/>
+          </a:stretch>
+        </p:blipFill>
+        <p:spPr>
+          <a:xfrm>
+            <a:off x="0" y="0"/>
+            <a:ext cx="12192000" cy="6858000"/>
+          </a:xfrm>
+          <a:prstGeom prst="rect">
+            <a:avLst/>
+          </a:prstGeom>
+        </p:spPr>
+      </p:pic>
+      <p:sp useBgFill="1">
+        <p:nvSpPr>
+          <p:cNvPr id="74" name="Rectangle 55"/>
+          <p:cNvSpPr>
+            <a:spLocks noGrp="1" noRot="1" noChangeAspect="1" noMove="1" noResize="1" noEditPoints="1" noAdjustHandles="1" noChangeArrowheads="1" noChangeShapeType="1" noTextEdit="1"/>
+          </p:cNvSpPr>
+          <p:nvPr>
+            <p:extLst>
+              <p:ext uri="{386F3935-93C4-4BCD-93E2-E3B085C9AB24}">
+                <p16:designElem xmlns:p16="http://schemas.microsoft.com/office/powerpoint/2015/main" val="1"/>
+              </p:ext>
+            </p:extLst>
+          </p:nvPr>
+        </p:nvSpPr>
+        <p:spPr>
+          <a:xfrm>
+            <a:off x="0" y="4256974"/>
+            <a:ext cx="12188952" cy="2601025"/>
+          </a:xfrm>
+          <a:prstGeom prst="rect">
+            <a:avLst/>
+          </a:prstGeom>
+          <a:ln>
+            <a:noFill/>
+          </a:ln>
+          <a:effectLst/>
+        </p:spPr>
+        <p:style>
+          <a:lnRef idx="2">
+            <a:schemeClr val="accent1">
+              <a:shade val="50000"/>
+            </a:schemeClr>
+          </a:lnRef>
+          <a:fillRef idx="1">
+            <a:schemeClr val="accent1"/>
+          </a:fillRef>
+          <a:effectRef idx="0">
+            <a:schemeClr val="accent1"/>
+          </a:effectRef>
+          <a:fontRef idx="minor">
+            <a:schemeClr val="lt1"/>
+          </a:fontRef>
+        </p:style>
+        <p:txBody>
+          <a:bodyPr rtlCol="0" anchor="ctr"/>
+          <a:lstStyle/>
+          <a:p>
+            <a:pPr algn="ctr"/>
+            <a:endParaRPr lang="en-US"/>
+          </a:p>
+        </p:txBody>
+      </p:sp>
+      <p:sp>
+        <p:nvSpPr>
+          <p:cNvPr id="75" name="5-Point Star 8"/>
+          <p:cNvSpPr>
+            <a:spLocks noGrp="1" noRot="1" noChangeAspect="1" noMove="1" noResize="1" noEditPoints="1" noAdjustHandles="1" noChangeArrowheads="1" noChangeShapeType="1" noTextEdit="1"/>
+          </p:cNvSpPr>
+          <p:nvPr>
+            <p:extLst>
+              <p:ext uri="{386F3935-93C4-4BCD-93E2-E3B085C9AB24}">
+                <p16:designElem xmlns:p16="http://schemas.microsoft.com/office/powerpoint/2015/main" val="1"/>
+              </p:ext>
+            </p:extLst>
+          </p:nvPr>
+        </p:nvSpPr>
+        <p:spPr>
+          <a:xfrm>
+            <a:off x="5903408" y="6388943"/>
+            <a:ext cx="373049" cy="373049"/>
+          </a:xfrm>
+          <a:prstGeom prst="star5">
+            <a:avLst>
+              <a:gd name="adj" fmla="val 26693"/>
+              <a:gd name="hf" fmla="val 105146"/>
+              <a:gd name="vf" fmla="val 110557"/>
+            </a:avLst>
+          </a:prstGeom>
+          <a:solidFill>
+            <a:schemeClr val="tx1">
+              <a:lumMod val="65000"/>
+              <a:lumOff val="35000"/>
+              <a:alpha val="40000"/>
+            </a:schemeClr>
+          </a:solidFill>
+          <a:ln>
+            <a:noFill/>
+          </a:ln>
+        </p:spPr>
+        <p:style>
+          <a:lnRef idx="1">
+            <a:schemeClr val="accent1"/>
+          </a:lnRef>
+          <a:fillRef idx="3">
+            <a:schemeClr val="accent1"/>
+          </a:fillRef>
+          <a:effectRef idx="2">
+            <a:schemeClr val="accent1"/>
+          </a:effectRef>
+          <a:fontRef idx="minor">
+            <a:schemeClr val="lt1"/>
+          </a:fontRef>
+        </p:style>
+      </p:sp>
+      <p:sp>
+        <p:nvSpPr>
+          <p:cNvPr id="76" name="Rectangle 59"/>
+          <p:cNvSpPr>
+            <a:spLocks noGrp="1" noRot="1" noChangeAspect="1" noMove="1" noResize="1" noEditPoints="1" noAdjustHandles="1" noChangeArrowheads="1" noChangeShapeType="1" noTextEdit="1"/>
+          </p:cNvSpPr>
+          <p:nvPr>
+            <p:extLst>
+              <p:ext uri="{386F3935-93C4-4BCD-93E2-E3B085C9AB24}">
+                <p16:designElem xmlns:p16="http://schemas.microsoft.com/office/powerpoint/2015/main" val="1"/>
+              </p:ext>
+            </p:extLst>
+          </p:nvPr>
+        </p:nvSpPr>
+        <p:spPr>
+          <a:xfrm>
+            <a:off x="466954" y="457201"/>
+            <a:ext cx="11261749" cy="3343894"/>
+          </a:xfrm>
+          <a:prstGeom prst="rect">
+            <a:avLst/>
+          </a:prstGeom>
+          <a:solidFill>
+            <a:schemeClr val="bg1"/>
+          </a:solidFill>
+          <a:ln w="57150" cmpd="thinThick">
+            <a:noFill/>
+            <a:miter lim="800000"/>
+          </a:ln>
+          <a:effectLst>
+            <a:outerShdw blurRad="63500" sx="102000" sy="102000" algn="ctr" rotWithShape="0">
+              <a:prstClr val="black">
+                <a:alpha val="40000"/>
+              </a:prstClr>
+            </a:outerShdw>
+          </a:effectLst>
+        </p:spPr>
+        <p:style>
+          <a:lnRef idx="2">
+            <a:schemeClr val="accent1">
+              <a:shade val="50000"/>
+            </a:schemeClr>
+          </a:lnRef>
+          <a:fillRef idx="1">
+            <a:schemeClr val="accent1"/>
+          </a:fillRef>
+          <a:effectRef idx="0">
+            <a:schemeClr val="accent1"/>
+          </a:effectRef>
+          <a:fontRef idx="minor">
+            <a:schemeClr val="lt1"/>
+          </a:fontRef>
+        </p:style>
+        <p:txBody>
+          <a:bodyPr rtlCol="0" anchor="ctr"/>
+          <a:lstStyle/>
+          <a:p>
+            <a:pPr algn="ctr"/>
+            <a:endParaRPr lang="en-US"/>
+          </a:p>
+        </p:txBody>
+      </p:sp>
+      <p:cxnSp>
+        <p:nvCxnSpPr>
+          <p:cNvPr id="77" name="Straight Connector 61"/>
+          <p:cNvCxnSpPr>
+            <a:cxnSpLocks noGrp="1" noRot="1" noChangeAspect="1" noMove="1" noResize="1" noEditPoints="1" noAdjustHandles="1" noChangeArrowheads="1" noChangeShapeType="1"/>
+          </p:cNvCxnSpPr>
+          <p:nvPr>
+            <p:extLst>
+              <p:ext uri="{386F3935-93C4-4BCD-93E2-E3B085C9AB24}">
+                <p16:designElem xmlns:p16="http://schemas.microsoft.com/office/powerpoint/2015/main" val="1"/>
+              </p:ext>
+            </p:extLst>
+          </p:nvPr>
+        </p:nvCxnSpPr>
+        <p:spPr>
+          <a:xfrm>
+            <a:off x="-12134" y="4491323"/>
+            <a:ext cx="12201086" cy="0"/>
+          </a:xfrm>
+          <a:prstGeom prst="line">
+            <a:avLst/>
+          </a:prstGeom>
+          <a:ln w="82550">
+            <a:solidFill>
+              <a:schemeClr val="tx1">
+                <a:lumMod val="50000"/>
+                <a:lumOff val="50000"/>
+              </a:schemeClr>
+            </a:solidFill>
+            <a:miter lim="800000"/>
+          </a:ln>
+        </p:spPr>
+        <p:style>
+          <a:lnRef idx="2">
+            <a:schemeClr val="accent1"/>
+          </a:lnRef>
+          <a:fillRef idx="0">
+            <a:schemeClr val="accent1"/>
+          </a:fillRef>
+          <a:effectRef idx="1">
+            <a:schemeClr val="accent1"/>
+          </a:effectRef>
+          <a:fontRef idx="minor">
+            <a:schemeClr val="tx1"/>
+          </a:fontRef>
+        </p:style>
+      </p:cxnSp>
+      <p:pic>
+        <p:nvPicPr>
+          <p:cNvPr id="7" name="圖片 6" descr="一張含有 棒球, 個人, 運動, 選手 的圖片&#10;&#10;產生非常高可信度的描述"/>
+          <p:cNvPicPr>
+            <a:picLocks noChangeAspect="1"/>
+          </p:cNvPicPr>
+          <p:nvPr/>
+        </p:nvPicPr>
+        <p:blipFill rotWithShape="1">
+          <a:blip r:embed="rId4"/>
+          <a:srcRect/>
+          <a:stretch/>
+        </p:blipFill>
+        <p:spPr>
+          <a:xfrm rot="21600000">
+            <a:off x="5470073" y="453046"/>
+            <a:ext cx="2152338" cy="2874505"/>
+          </a:xfrm>
+          <a:prstGeom prst="rect">
+            <a:avLst/>
+          </a:prstGeom>
+        </p:spPr>
+      </p:pic>
+      <p:pic>
+        <p:nvPicPr>
+          <p:cNvPr id="12" name="內容版面配置區 4" descr="一張含有 個人, 棒球, 選手, 室外 的圖片&#10;&#10;產生非常高可信度的描述"/>
+          <p:cNvPicPr>
+            <a:picLocks noChangeAspect="1"/>
+          </p:cNvPicPr>
+          <p:nvPr/>
+        </p:nvPicPr>
+        <p:blipFill rotWithShape="1">
+          <a:blip r:embed="rId5"/>
+          <a:srcRect/>
+          <a:stretch/>
+        </p:blipFill>
+        <p:spPr>
+          <a:xfrm rot="21600000">
+            <a:off x="950202" y="735541"/>
+            <a:ext cx="3528876" cy="2520625"/>
+          </a:xfrm>
+          <a:prstGeom prst="rect">
+            <a:avLst/>
+          </a:prstGeom>
+        </p:spPr>
+      </p:pic>
+      <p:pic>
+        <p:nvPicPr>
+          <p:cNvPr id="9" name="圖片 8" descr="一張含有 個人, 棒球, 選手, 體育競賽 的圖片&#10;&#10;產生非常高可信度的描述"/>
+          <p:cNvPicPr>
+            <a:picLocks noChangeAspect="1"/>
+          </p:cNvPicPr>
+          <p:nvPr/>
+        </p:nvPicPr>
+        <p:blipFill rotWithShape="1">
+          <a:blip r:embed="rId6"/>
+          <a:srcRect/>
+          <a:stretch/>
+        </p:blipFill>
+        <p:spPr>
+          <a:xfrm rot="21600000">
+            <a:off x="8932057" y="487734"/>
+            <a:ext cx="1912852" cy="2874505"/>
+          </a:xfrm>
+          <a:prstGeom prst="rect">
+            <a:avLst/>
+          </a:prstGeom>
+        </p:spPr>
+      </p:pic>
+      <p:sp>
+        <p:nvSpPr>
+          <p:cNvPr id="2" name="標題 1"/>
+          <p:cNvSpPr>
+            <a:spLocks noGrp="1"/>
+          </p:cNvSpPr>
+          <p:nvPr>
+            <p:ph type="title"/>
+          </p:nvPr>
+        </p:nvSpPr>
+        <p:spPr>
+          <a:xfrm>
+            <a:off x="318115" y="4945247"/>
+            <a:ext cx="10818199" cy="1075211"/>
+          </a:xfrm>
+        </p:spPr>
+        <p:txBody>
+          <a:bodyPr vert="horz" lIns="91440" tIns="45720" rIns="91440" bIns="45720" rtlCol="0" anchor="b">
+            <a:normAutofit fontScale="90000"/>
+          </a:bodyPr>
+          <a:lstStyle/>
+          <a:p>
+            <a:pPr algn="ctr"/>
+            <a:r>
+              <a:rPr lang="en-US" altLang="zh-TW" sz="8000" dirty="0"/>
+              <a:t>Favorite  Player</a:t>
+            </a:r>
+          </a:p>
+        </p:txBody>
+      </p:sp>
+      <p:sp>
+        <p:nvSpPr>
+          <p:cNvPr id="5" name="文字方塊 4"/>
+          <p:cNvSpPr txBox="1"/>
+          <p:nvPr/>
+        </p:nvSpPr>
+        <p:spPr>
+          <a:xfrm>
+            <a:off x="1223004" y="3320049"/>
+            <a:ext cx="2985247" cy="369332"/>
+          </a:xfrm>
+          <a:prstGeom prst="rect">
+            <a:avLst/>
+          </a:prstGeom>
+          <a:noFill/>
+        </p:spPr>
+        <p:txBody>
+          <a:bodyPr wrap="square" rtlCol="0">
+            <a:spAutoFit/>
+          </a:bodyPr>
+          <a:lstStyle/>
+          <a:p>
+            <a:pPr algn="ctr"/>
+            <a:r>
+              <a:rPr lang="en-US" altLang="zh-TW" dirty="0"/>
+              <a:t>2005~2009</a:t>
+            </a:r>
+            <a:endParaRPr lang="zh-TW" altLang="en-US" dirty="0"/>
+          </a:p>
+        </p:txBody>
+      </p:sp>
+      <p:sp>
+        <p:nvSpPr>
+          <p:cNvPr id="10" name="文字方塊 9"/>
+          <p:cNvSpPr txBox="1"/>
+          <p:nvPr/>
+        </p:nvSpPr>
+        <p:spPr>
+          <a:xfrm>
+            <a:off x="5727215" y="3389159"/>
+            <a:ext cx="1618299" cy="369332"/>
+          </a:xfrm>
+          <a:prstGeom prst="rect">
+            <a:avLst/>
+          </a:prstGeom>
+          <a:noFill/>
+        </p:spPr>
+        <p:txBody>
+          <a:bodyPr wrap="square" rtlCol="0">
+            <a:spAutoFit/>
+          </a:bodyPr>
+          <a:lstStyle/>
+          <a:p>
+            <a:pPr algn="ctr"/>
+            <a:r>
+              <a:rPr lang="en-US" altLang="zh-TW" dirty="0"/>
+              <a:t>2009</a:t>
+            </a:r>
+            <a:endParaRPr lang="zh-TW" altLang="en-US" dirty="0"/>
+          </a:p>
+        </p:txBody>
+      </p:sp>
+      <p:sp>
+        <p:nvSpPr>
+          <p:cNvPr id="13" name="文字方塊 12"/>
+          <p:cNvSpPr txBox="1"/>
+          <p:nvPr/>
+        </p:nvSpPr>
+        <p:spPr>
+          <a:xfrm>
+            <a:off x="9255183" y="3406438"/>
+            <a:ext cx="1447262" cy="369332"/>
+          </a:xfrm>
+          <a:prstGeom prst="rect">
+            <a:avLst/>
+          </a:prstGeom>
+          <a:noFill/>
+        </p:spPr>
+        <p:txBody>
+          <a:bodyPr wrap="square" rtlCol="0">
+            <a:spAutoFit/>
+          </a:bodyPr>
+          <a:lstStyle/>
+          <a:p>
+            <a:pPr algn="ctr"/>
+            <a:r>
+              <a:rPr lang="en-US" altLang="zh-TW" dirty="0"/>
+              <a:t>2016</a:t>
+            </a:r>
+            <a:endParaRPr lang="zh-TW" altLang="en-US" dirty="0"/>
+          </a:p>
+        </p:txBody>
+      </p:sp>
+    </p:spTree>
+    <p:extLst>
+      <p:ext uri="{BB962C8B-B14F-4D97-AF65-F5344CB8AC3E}">
+        <p14:creationId xmlns:p14="http://schemas.microsoft.com/office/powerpoint/2010/main" val="3408332626"/>
+      </p:ext>
+    </p:extLst>
+  </p:cSld>
+  <p:clrMapOvr>
+    <a:masterClrMapping/>
+  </p:clrMapOvr>
+  <p:timing>
+    <p:tnLst>
+      <p:par>
+        <p:cTn id="1" dur="indefinite" restart="never" nodeType="tmRoot">
+          <p:childTnLst>
+            <p:seq concurrent="1" nextAc="seek">
+              <p:cTn id="2" dur="indefinite" nodeType="mainSeq">
+                <p:childTnLst>
+                  <p:par>
+                    <p:cTn id="3" fill="hold">
+                      <p:stCondLst>
+                        <p:cond delay="indefinite"/>
+                      </p:stCondLst>
+                      <p:childTnLst>
+                        <p:par>
+                          <p:cTn id="4" fill="hold">
+                            <p:stCondLst>
+                              <p:cond delay="0"/>
+                            </p:stCondLst>
+                            <p:childTnLst>
+                              <p:par>
+                                <p:cTn id="5" presetID="6" presetClass="entr" presetSubtype="16" fill="hold" nodeType="clickEffect">
+                                  <p:stCondLst>
+                                    <p:cond delay="0"/>
+                                  </p:stCondLst>
+                                  <p:childTnLst>
+                                    <p:set>
+                                      <p:cBhvr>
+                                        <p:cTn id="6" dur="1" fill="hold">
+                                          <p:stCondLst>
+                                            <p:cond delay="0"/>
+                                          </p:stCondLst>
+                                        </p:cTn>
+                                        <p:tgtEl>
+                                          <p:spTgt spid="12"/>
+                                        </p:tgtEl>
+                                        <p:attrNameLst>
+                                          <p:attrName>style.visibility</p:attrName>
+                                        </p:attrNameLst>
+                                      </p:cBhvr>
+                                      <p:to>
+                                        <p:strVal val="visible"/>
+                                      </p:to>
+                                    </p:set>
+                                    <p:animEffect transition="in" filter="circle(in)">
+                                      <p:cBhvr>
+                                        <p:cTn id="7" dur="2000"/>
+                                        <p:tgtEl>
+                                          <p:spTgt spid="12"/>
+                                        </p:tgtEl>
+                                      </p:cBhvr>
+                                    </p:animEffect>
+                                  </p:childTnLst>
+                                </p:cTn>
+                              </p:par>
+                            </p:childTnLst>
+                          </p:cTn>
+                        </p:par>
+                      </p:childTnLst>
+                    </p:cTn>
+                  </p:par>
+                  <p:par>
+                    <p:cTn id="8" fill="hold">
+                      <p:stCondLst>
+                        <p:cond delay="indefinite"/>
+                      </p:stCondLst>
+                      <p:childTnLst>
+                        <p:par>
+                          <p:cTn id="9" fill="hold">
+                            <p:stCondLst>
+                              <p:cond delay="0"/>
+                            </p:stCondLst>
+                            <p:childTnLst>
+                              <p:par>
+                                <p:cTn id="10" presetID="42" presetClass="entr" presetSubtype="0" fill="hold" grpId="0" nodeType="clickEffect">
+                                  <p:stCondLst>
+                                    <p:cond delay="0"/>
+                                  </p:stCondLst>
+                                  <p:childTnLst>
+                                    <p:set>
+                                      <p:cBhvr>
+                                        <p:cTn id="11" dur="1" fill="hold">
+                                          <p:stCondLst>
+                                            <p:cond delay="0"/>
+                                          </p:stCondLst>
+                                        </p:cTn>
+                                        <p:tgtEl>
+                                          <p:spTgt spid="5"/>
+                                        </p:tgtEl>
+                                        <p:attrNameLst>
+                                          <p:attrName>style.visibility</p:attrName>
+                                        </p:attrNameLst>
+                                      </p:cBhvr>
+                                      <p:to>
+                                        <p:strVal val="visible"/>
+                                      </p:to>
+                                    </p:set>
+                                    <p:animEffect transition="in" filter="fade">
+                                      <p:cBhvr>
+                                        <p:cTn id="12" dur="1000"/>
+                                        <p:tgtEl>
+                                          <p:spTgt spid="5"/>
+                                        </p:tgtEl>
+                                      </p:cBhvr>
+                                    </p:animEffect>
+                                    <p:anim calcmode="lin" valueType="num">
+                                      <p:cBhvr>
+                                        <p:cTn id="13" dur="1000" fill="hold"/>
+                                        <p:tgtEl>
+                                          <p:spTgt spid="5"/>
+                                        </p:tgtEl>
+                                        <p:attrNameLst>
+                                          <p:attrName>ppt_x</p:attrName>
+                                        </p:attrNameLst>
+                                      </p:cBhvr>
+                                      <p:tavLst>
+                                        <p:tav tm="0">
+                                          <p:val>
+                                            <p:strVal val="#ppt_x"/>
+                                          </p:val>
+                                        </p:tav>
+                                        <p:tav tm="100000">
+                                          <p:val>
+                                            <p:strVal val="#ppt_x"/>
+                                          </p:val>
+                                        </p:tav>
+                                      </p:tavLst>
+                                    </p:anim>
+                                    <p:anim calcmode="lin" valueType="num">
+                                      <p:cBhvr>
+                                        <p:cTn id="14" dur="1000" fill="hold"/>
+                                        <p:tgtEl>
+                                          <p:spTgt spid="5"/>
+                                        </p:tgtEl>
+                                        <p:attrNameLst>
+                                          <p:attrName>ppt_y</p:attrName>
+                                        </p:attrNameLst>
+                                      </p:cBhvr>
+                                      <p:tavLst>
+                                        <p:tav tm="0">
+                                          <p:val>
+                                            <p:strVal val="#ppt_y+.1"/>
+                                          </p:val>
+                                        </p:tav>
+                                        <p:tav tm="100000">
+                                          <p:val>
+                                            <p:strVal val="#ppt_y"/>
+                                          </p:val>
+                                        </p:tav>
+                                      </p:tavLst>
+                                    </p:anim>
+                                  </p:childTnLst>
+                                </p:cTn>
+                              </p:par>
+                            </p:childTnLst>
+                          </p:cTn>
+                        </p:par>
+                      </p:childTnLst>
+                    </p:cTn>
+                  </p:par>
+                  <p:par>
+                    <p:cTn id="15" fill="hold">
+                      <p:stCondLst>
+                        <p:cond delay="indefinite"/>
+                      </p:stCondLst>
+                      <p:childTnLst>
+                        <p:par>
+                          <p:cTn id="16" fill="hold">
+                            <p:stCondLst>
+                              <p:cond delay="0"/>
+                            </p:stCondLst>
+                            <p:childTnLst>
+                              <p:par>
+                                <p:cTn id="17" presetID="6" presetClass="entr" presetSubtype="16" fill="hold" nodeType="clickEffect">
+                                  <p:stCondLst>
+                                    <p:cond delay="0"/>
+                                  </p:stCondLst>
+                                  <p:childTnLst>
+                                    <p:set>
+                                      <p:cBhvr>
+                                        <p:cTn id="18" dur="1" fill="hold">
+                                          <p:stCondLst>
+                                            <p:cond delay="0"/>
+                                          </p:stCondLst>
+                                        </p:cTn>
+                                        <p:tgtEl>
+                                          <p:spTgt spid="7"/>
+                                        </p:tgtEl>
+                                        <p:attrNameLst>
+                                          <p:attrName>style.visibility</p:attrName>
+                                        </p:attrNameLst>
+                                      </p:cBhvr>
+                                      <p:to>
+                                        <p:strVal val="visible"/>
+                                      </p:to>
+                                    </p:set>
+                                    <p:animEffect transition="in" filter="circle(in)">
+                                      <p:cBhvr>
+                                        <p:cTn id="19" dur="2000"/>
+                                        <p:tgtEl>
+                                          <p:spTgt spid="7"/>
+                                        </p:tgtEl>
+                                      </p:cBhvr>
+                                    </p:animEffect>
+                                  </p:childTnLst>
+                                </p:cTn>
+                              </p:par>
+                            </p:childTnLst>
+                          </p:cTn>
+                        </p:par>
+                      </p:childTnLst>
+                    </p:cTn>
+                  </p:par>
+                  <p:par>
+                    <p:cTn id="20" fill="hold">
+                      <p:stCondLst>
+                        <p:cond delay="indefinite"/>
+                      </p:stCondLst>
+                      <p:childTnLst>
+                        <p:par>
+                          <p:cTn id="21" fill="hold">
+                            <p:stCondLst>
+                              <p:cond delay="0"/>
+                            </p:stCondLst>
+                            <p:childTnLst>
+                              <p:par>
+                                <p:cTn id="22" presetID="42" presetClass="entr" presetSubtype="0" fill="hold" grpId="0" nodeType="clickEffect">
+                                  <p:stCondLst>
+                                    <p:cond delay="0"/>
+                                  </p:stCondLst>
+                                  <p:childTnLst>
+                                    <p:set>
+                                      <p:cBhvr>
+                                        <p:cTn id="23" dur="1" fill="hold">
+                                          <p:stCondLst>
+                                            <p:cond delay="0"/>
+                                          </p:stCondLst>
+                                        </p:cTn>
+                                        <p:tgtEl>
+                                          <p:spTgt spid="10"/>
+                                        </p:tgtEl>
+                                        <p:attrNameLst>
+                                          <p:attrName>style.visibility</p:attrName>
+                                        </p:attrNameLst>
+                                      </p:cBhvr>
+                                      <p:to>
+                                        <p:strVal val="visible"/>
+                                      </p:to>
+                                    </p:set>
+                                    <p:animEffect transition="in" filter="fade">
+                                      <p:cBhvr>
+                                        <p:cTn id="24" dur="1000"/>
+                                        <p:tgtEl>
+                                          <p:spTgt spid="10"/>
+                                        </p:tgtEl>
+                                      </p:cBhvr>
+                                    </p:animEffect>
+                                    <p:anim calcmode="lin" valueType="num">
+                                      <p:cBhvr>
+                                        <p:cTn id="25" dur="1000" fill="hold"/>
+                                        <p:tgtEl>
+                                          <p:spTgt spid="10"/>
+                                        </p:tgtEl>
+                                        <p:attrNameLst>
+                                          <p:attrName>ppt_x</p:attrName>
+                                        </p:attrNameLst>
+                                      </p:cBhvr>
+                                      <p:tavLst>
+                                        <p:tav tm="0">
+                                          <p:val>
+                                            <p:strVal val="#ppt_x"/>
+                                          </p:val>
+                                        </p:tav>
+                                        <p:tav tm="100000">
+                                          <p:val>
+                                            <p:strVal val="#ppt_x"/>
+                                          </p:val>
+                                        </p:tav>
+                                      </p:tavLst>
+                                    </p:anim>
+                                    <p:anim calcmode="lin" valueType="num">
+                                      <p:cBhvr>
+                                        <p:cTn id="26" dur="1000" fill="hold"/>
+                                        <p:tgtEl>
+                                          <p:spTgt spid="10"/>
+                                        </p:tgtEl>
+                                        <p:attrNameLst>
+                                          <p:attrName>ppt_y</p:attrName>
+                                        </p:attrNameLst>
+                                      </p:cBhvr>
+                                      <p:tavLst>
+                                        <p:tav tm="0">
+                                          <p:val>
+                                            <p:strVal val="#ppt_y+.1"/>
+                                          </p:val>
+                                        </p:tav>
+                                        <p:tav tm="100000">
+                                          <p:val>
+                                            <p:strVal val="#ppt_y"/>
+                                          </p:val>
+                                        </p:tav>
+                                      </p:tavLst>
+                                    </p:anim>
+                                  </p:childTnLst>
+                                </p:cTn>
+                              </p:par>
+                            </p:childTnLst>
+                          </p:cTn>
+                        </p:par>
+                      </p:childTnLst>
+                    </p:cTn>
+                  </p:par>
+                  <p:par>
+                    <p:cTn id="27" fill="hold">
+                      <p:stCondLst>
+                        <p:cond delay="indefinite"/>
+                      </p:stCondLst>
+                      <p:childTnLst>
+                        <p:par>
+                          <p:cTn id="28" fill="hold">
+                            <p:stCondLst>
+                              <p:cond delay="0"/>
+                            </p:stCondLst>
+                            <p:childTnLst>
+                              <p:par>
+                                <p:cTn id="29" presetID="6" presetClass="entr" presetSubtype="16" fill="hold" nodeType="clickEffect">
+                                  <p:stCondLst>
+                                    <p:cond delay="0"/>
+                                  </p:stCondLst>
+                                  <p:childTnLst>
+                                    <p:set>
+                                      <p:cBhvr>
+                                        <p:cTn id="30" dur="1" fill="hold">
+                                          <p:stCondLst>
+                                            <p:cond delay="0"/>
+                                          </p:stCondLst>
+                                        </p:cTn>
+                                        <p:tgtEl>
+                                          <p:spTgt spid="9"/>
+                                        </p:tgtEl>
+                                        <p:attrNameLst>
+                                          <p:attrName>style.visibility</p:attrName>
+                                        </p:attrNameLst>
+                                      </p:cBhvr>
+                                      <p:to>
+                                        <p:strVal val="visible"/>
+                                      </p:to>
+                                    </p:set>
+                                    <p:animEffect transition="in" filter="circle(in)">
+                                      <p:cBhvr>
+                                        <p:cTn id="31" dur="2000"/>
+                                        <p:tgtEl>
+                                          <p:spTgt spid="9"/>
+                                        </p:tgtEl>
+                                      </p:cBhvr>
+                                    </p:animEffect>
+                                  </p:childTnLst>
+                                </p:cTn>
+                              </p:par>
+                            </p:childTnLst>
+                          </p:cTn>
+                        </p:par>
+                      </p:childTnLst>
+                    </p:cTn>
+                  </p:par>
+                  <p:par>
+                    <p:cTn id="32" fill="hold">
+                      <p:stCondLst>
+                        <p:cond delay="indefinite"/>
+                      </p:stCondLst>
+                      <p:childTnLst>
+                        <p:par>
+                          <p:cTn id="33" fill="hold">
+                            <p:stCondLst>
+                              <p:cond delay="0"/>
+                            </p:stCondLst>
+                            <p:childTnLst>
+                              <p:par>
+                                <p:cTn id="34" presetID="42" presetClass="entr" presetSubtype="0" fill="hold" grpId="0" nodeType="clickEffect">
+                                  <p:stCondLst>
+                                    <p:cond delay="0"/>
+                                  </p:stCondLst>
+                                  <p:childTnLst>
+                                    <p:set>
+                                      <p:cBhvr>
+                                        <p:cTn id="35" dur="1" fill="hold">
+                                          <p:stCondLst>
+                                            <p:cond delay="0"/>
+                                          </p:stCondLst>
+                                        </p:cTn>
+                                        <p:tgtEl>
+                                          <p:spTgt spid="13"/>
+                                        </p:tgtEl>
+                                        <p:attrNameLst>
+                                          <p:attrName>style.visibility</p:attrName>
+                                        </p:attrNameLst>
+                                      </p:cBhvr>
+                                      <p:to>
+                                        <p:strVal val="visible"/>
+                                      </p:to>
+                                    </p:set>
+                                    <p:animEffect transition="in" filter="fade">
+                                      <p:cBhvr>
+                                        <p:cTn id="36" dur="1000"/>
+                                        <p:tgtEl>
+                                          <p:spTgt spid="13"/>
+                                        </p:tgtEl>
+                                      </p:cBhvr>
+                                    </p:animEffect>
+                                    <p:anim calcmode="lin" valueType="num">
+                                      <p:cBhvr>
+                                        <p:cTn id="37" dur="1000" fill="hold"/>
+                                        <p:tgtEl>
+                                          <p:spTgt spid="13"/>
+                                        </p:tgtEl>
+                                        <p:attrNameLst>
+                                          <p:attrName>ppt_x</p:attrName>
+                                        </p:attrNameLst>
+                                      </p:cBhvr>
+                                      <p:tavLst>
+                                        <p:tav tm="0">
+                                          <p:val>
+                                            <p:strVal val="#ppt_x"/>
+                                          </p:val>
+                                        </p:tav>
+                                        <p:tav tm="100000">
+                                          <p:val>
+                                            <p:strVal val="#ppt_x"/>
+                                          </p:val>
+                                        </p:tav>
+                                      </p:tavLst>
+                                    </p:anim>
+                                    <p:anim calcmode="lin" valueType="num">
+                                      <p:cBhvr>
+                                        <p:cTn id="38" dur="1000" fill="hold"/>
+                                        <p:tgtEl>
+                                          <p:spTgt spid="13"/>
+                                        </p:tgtEl>
+                                        <p:attrNameLst>
+                                          <p:attrName>ppt_y</p:attrName>
+                                        </p:attrNameLst>
+                                      </p:cBhvr>
+                                      <p:tavLst>
+                                        <p:tav tm="0">
+                                          <p:val>
+                                            <p:strVal val="#ppt_y+.1"/>
+                                          </p:val>
+                                        </p:tav>
+                                        <p:tav tm="100000">
+                                          <p:val>
+                                            <p:strVal val="#ppt_y"/>
+                                          </p:val>
+                                        </p:tav>
+                                      </p:tavLst>
+                                    </p:anim>
+                                  </p:childTnLst>
+                                </p:cTn>
+                              </p:par>
+                            </p:childTnLst>
+                          </p:cTn>
+                        </p:par>
+                      </p:childTnLst>
+                    </p:cTn>
+                  </p:par>
+                </p:childTnLst>
+              </p:cTn>
+              <p:prevCondLst>
+                <p:cond evt="onPrev" delay="0">
+                  <p:tgtEl>
+                    <p:sldTgt/>
+                  </p:tgtEl>
+                </p:cond>
+              </p:prevCondLst>
+              <p:nextCondLst>
+                <p:cond evt="onNext" delay="0">
+                  <p:tgtEl>
+                    <p:sldTgt/>
+                  </p:tgtEl>
+                </p:cond>
+              </p:nextCondLst>
+            </p:seq>
+          </p:childTnLst>
+        </p:cTn>
+      </p:par>
+    </p:tnLst>
+    <p:bldLst>
+      <p:bldP spid="5" grpId="0"/>
+      <p:bldP spid="10" grpId="0"/>
+      <p:bldP spid="13" grpId="0"/>
+    </p:bldLst>
+  </p:timing>
+</p:sld>
+</file>
+
+<file path=ppt/slides/slide5.xml><?xml version="1.0" encoding="utf-8"?>
+<p:sld xmlns:a="http://schemas.openxmlformats.org/drawingml/2006/main" xmlns:r="http://schemas.openxmlformats.org/officeDocument/2006/relationships" xmlns:p="http://schemas.openxmlformats.org/presentationml/2006/main">
+  <p:cSld>
+    <p:spTree>
+      <p:nvGrpSpPr>
+        <p:cNvPr id="1" name=""/>
+        <p:cNvGrpSpPr/>
+        <p:nvPr/>
+      </p:nvGrpSpPr>
+      <p:grpSpPr>
+        <a:xfrm>
+          <a:off x="0" y="0"/>
+          <a:ext cx="0" cy="0"/>
+          <a:chOff x="0" y="0"/>
+          <a:chExt cx="0" cy="0"/>
+        </a:xfrm>
+      </p:grpSpPr>
+      <p:sp>
+        <p:nvSpPr>
           <p:cNvPr id="2" name="標題 1"/>
           <p:cNvSpPr>
             <a:spLocks noGrp="1"/>
@@ -7520,7 +9041,7 @@
 </p:sld>
 </file>
 
-<file path=ppt/slides/slide5.xml><?xml version="1.0" encoding="utf-8"?>
+<file path=ppt/slides/slide6.xml><?xml version="1.0" encoding="utf-8"?>
 <p:sld xmlns:a="http://schemas.openxmlformats.org/drawingml/2006/main" xmlns:r="http://schemas.openxmlformats.org/officeDocument/2006/relationships" xmlns:p="http://schemas.openxmlformats.org/presentationml/2006/main">
   <p:cSld>
     <p:spTree>

--- a/林宗億工作室/Baseball.pptx
+++ b/林宗億工作室/Baseball.pptx
@@ -9,8 +9,9 @@
     <p:sldId id="257" r:id="rId3"/>
     <p:sldId id="258" r:id="rId4"/>
     <p:sldId id="261" r:id="rId5"/>
-    <p:sldId id="259" r:id="rId6"/>
-    <p:sldId id="260" r:id="rId7"/>
+    <p:sldId id="262" r:id="rId6"/>
+    <p:sldId id="259" r:id="rId7"/>
+    <p:sldId id="260" r:id="rId8"/>
   </p:sldIdLst>
   <p:sldSz cx="12192000" cy="6858000"/>
   <p:notesSz cx="6858000" cy="9144000"/>
@@ -574,7 +575,7 @@
           <a:p>
             <a:fld id="{F7AFFB9B-9FB8-469E-96F9-4D32314110B6}" type="datetimeFigureOut">
               <a:rPr lang="en-US" dirty="0"/>
-              <a:t>6/11/2017</a:t>
+              <a:t>6/12/2017</a:t>
             </a:fld>
             <a:endParaRPr lang="en-US" dirty="0"/>
           </a:p>
@@ -902,7 +903,7 @@
           <a:p>
             <a:fld id="{341D2AC3-6A0B-4169-B1EA-E3AE8B351BDD}" type="datetimeFigureOut">
               <a:rPr lang="en-US" dirty="0"/>
-              <a:t>6/11/2017</a:t>
+              <a:t>6/12/2017</a:t>
             </a:fld>
             <a:endParaRPr lang="en-US" dirty="0"/>
           </a:p>
@@ -1093,7 +1094,7 @@
           <a:p>
             <a:fld id="{DD4B9363-8B87-41B7-9F8E-64519CBB8F34}" type="datetimeFigureOut">
               <a:rPr lang="en-US" dirty="0"/>
-              <a:t>6/11/2017</a:t>
+              <a:t>6/12/2017</a:t>
             </a:fld>
             <a:endParaRPr lang="en-US" dirty="0"/>
           </a:p>
@@ -1358,7 +1359,7 @@
           <a:p>
             <a:fld id="{EAEF5746-5284-4951-9F37-7AE924EDBCB7}" type="datetimeFigureOut">
               <a:rPr lang="en-US" dirty="0"/>
-              <a:t>6/11/2017</a:t>
+              <a:t>6/12/2017</a:t>
             </a:fld>
             <a:endParaRPr lang="en-US" dirty="0"/>
           </a:p>
@@ -1781,7 +1782,7 @@
           <a:p>
             <a:fld id="{02398B29-7265-4A65-A2A4-6703C057B7C1}" type="datetimeFigureOut">
               <a:rPr lang="en-US" dirty="0"/>
-              <a:t>6/11/2017</a:t>
+              <a:t>6/12/2017</a:t>
             </a:fld>
             <a:endParaRPr lang="en-US" dirty="0"/>
           </a:p>
@@ -2326,7 +2327,7 @@
           <a:p>
             <a:fld id="{28FBA082-94DF-4C4B-A041-6624924AB0A8}" type="datetimeFigureOut">
               <a:rPr lang="en-US" dirty="0"/>
-              <a:t>6/11/2017</a:t>
+              <a:t>6/12/2017</a:t>
             </a:fld>
             <a:endParaRPr lang="en-US" dirty="0"/>
           </a:p>
@@ -3111,7 +3112,7 @@
           <a:p>
             <a:fld id="{B27686C4-3AB5-4E0C-86CA-FB108C350AA9}" type="datetimeFigureOut">
               <a:rPr lang="en-US" dirty="0"/>
-              <a:t>6/11/2017</a:t>
+              <a:t>6/12/2017</a:t>
             </a:fld>
             <a:endParaRPr lang="en-US" dirty="0"/>
           </a:p>
@@ -3285,7 +3286,7 @@
           <a:p>
             <a:fld id="{49FF1211-4E0C-4AB3-B04F-585959BDAFE8}" type="datetimeFigureOut">
               <a:rPr lang="en-US" dirty="0"/>
-              <a:t>6/11/2017</a:t>
+              <a:t>6/12/2017</a:t>
             </a:fld>
             <a:endParaRPr lang="en-US" dirty="0"/>
           </a:p>
@@ -3464,7 +3465,7 @@
           <a:p>
             <a:fld id="{28BDECAF-D3BE-4069-9C78-642ECCD01477}" type="datetimeFigureOut">
               <a:rPr lang="en-US" dirty="0"/>
-              <a:t>6/11/2017</a:t>
+              <a:t>6/12/2017</a:t>
             </a:fld>
             <a:endParaRPr lang="en-US" dirty="0"/>
           </a:p>
@@ -3634,7 +3635,7 @@
           <a:p>
             <a:fld id="{8EFBDC27-E420-4878-9EE6-7B9656D6442A}" type="datetimeFigureOut">
               <a:rPr lang="en-US" dirty="0"/>
-              <a:t>6/11/2017</a:t>
+              <a:t>6/12/2017</a:t>
             </a:fld>
             <a:endParaRPr lang="en-US" dirty="0"/>
           </a:p>
@@ -3879,7 +3880,7 @@
           <a:p>
             <a:fld id="{0F7F47CF-67C9-420C-80A5-E2069FF0C2DF}" type="datetimeFigureOut">
               <a:rPr lang="en-US" dirty="0"/>
-              <a:t>6/11/2017</a:t>
+              <a:t>6/12/2017</a:t>
             </a:fld>
             <a:endParaRPr lang="en-US" dirty="0"/>
           </a:p>
@@ -4111,7 +4112,7 @@
           <a:p>
             <a:fld id="{AE22DC73-F065-42F5-A9F2-D90B2E42A0B3}" type="datetimeFigureOut">
               <a:rPr lang="en-US" dirty="0"/>
-              <a:t>6/11/2017</a:t>
+              <a:t>6/12/2017</a:t>
             </a:fld>
             <a:endParaRPr lang="en-US" dirty="0"/>
           </a:p>
@@ -4491,7 +4492,7 @@
           <a:p>
             <a:fld id="{76BEA702-9B29-41CC-9BCC-3DF8A0D379FE}" type="datetimeFigureOut">
               <a:rPr lang="en-US" dirty="0"/>
-              <a:t>6/11/2017</a:t>
+              <a:t>6/12/2017</a:t>
             </a:fld>
             <a:endParaRPr lang="en-US" dirty="0"/>
           </a:p>
@@ -4604,7 +4605,7 @@
           <a:p>
             <a:fld id="{097649AC-CB8F-4FF1-9A34-5861C74DD0A7}" type="datetimeFigureOut">
               <a:rPr lang="en-US" dirty="0"/>
-              <a:t>6/11/2017</a:t>
+              <a:t>6/12/2017</a:t>
             </a:fld>
             <a:endParaRPr lang="en-US" dirty="0"/>
           </a:p>
@@ -4694,7 +4695,7 @@
           <a:p>
             <a:fld id="{3EC5CECA-2D3A-4680-9B49-752200DE467C}" type="datetimeFigureOut">
               <a:rPr lang="en-US" dirty="0"/>
-              <a:t>6/11/2017</a:t>
+              <a:t>6/12/2017</a:t>
             </a:fld>
             <a:endParaRPr lang="en-US" dirty="0"/>
           </a:p>
@@ -4942,7 +4943,7 @@
           <a:p>
             <a:fld id="{50C3BFE2-83B7-4B0A-B9D3-AB28331082B3}" type="datetimeFigureOut">
               <a:rPr lang="en-US" dirty="0"/>
-              <a:t>6/11/2017</a:t>
+              <a:t>6/12/2017</a:t>
             </a:fld>
             <a:endParaRPr lang="en-US" dirty="0"/>
           </a:p>
@@ -5206,7 +5207,7 @@
           <a:p>
             <a:fld id="{12EF78E3-FDA3-4D28-AAA2-0B81F349A39D}" type="datetimeFigureOut">
               <a:rPr lang="en-US" dirty="0"/>
-              <a:t>6/11/2017</a:t>
+              <a:t>6/12/2017</a:t>
             </a:fld>
             <a:endParaRPr lang="en-US" dirty="0"/>
           </a:p>
@@ -5604,7 +5605,7 @@
           <a:p>
             <a:fld id="{C35BB1C6-BF8F-4481-8AB2-603A1C8A906A}" type="datetimeFigureOut">
               <a:rPr lang="en-US" dirty="0"/>
-              <a:t>6/11/2017</a:t>
+              <a:t>6/12/2017</a:t>
             </a:fld>
             <a:endParaRPr lang="en-US" dirty="0"/>
           </a:p>
@@ -6058,6 +6059,206 @@
           <a:chExt cx="0" cy="0"/>
         </a:xfrm>
       </p:grpSpPr>
+      <p:pic>
+        <p:nvPicPr>
+          <p:cNvPr id="23" name="Picture 16" descr="一張含有 建築物, 磚塊, 牆, 建材 的圖片&#10;&#10;產生非常高可信度的描述">
+            <a:extLst/>
+          </p:cNvPr>
+          <p:cNvPicPr>
+            <a:picLocks noGrp="1" noRot="1" noChangeAspect="1" noMove="1" noResize="1" noEditPoints="1" noAdjustHandles="1" noChangeArrowheads="1" noChangeShapeType="1" noCrop="1"/>
+          </p:cNvPicPr>
+          <p:nvPr>
+            <p:extLst>
+              <p:ext uri="{386F3935-93C4-4BCD-93E2-E3B085C9AB24}">
+                <p16:designElem xmlns:p16="http://schemas.microsoft.com/office/powerpoint/2015/main" val="1"/>
+              </p:ext>
+            </p:extLst>
+          </p:nvPr>
+        </p:nvPicPr>
+        <p:blipFill>
+          <a:blip r:embed="rId2">
+            <a:extLst>
+              <a:ext uri="{28A0092B-C50C-407E-A947-70E740481C1C}">
+                <a14:useLocalDpi xmlns:a14="http://schemas.microsoft.com/office/drawing/2010/main" val="0"/>
+              </a:ext>
+            </a:extLst>
+          </a:blip>
+          <a:stretch>
+            <a:fillRect/>
+          </a:stretch>
+        </p:blipFill>
+        <p:spPr>
+          <a:xfrm>
+            <a:off x="0" y="0"/>
+            <a:ext cx="12192000" cy="6858000"/>
+          </a:xfrm>
+          <a:prstGeom prst="rect">
+            <a:avLst/>
+          </a:prstGeom>
+        </p:spPr>
+      </p:pic>
+      <p:sp useBgFill="1">
+        <p:nvSpPr>
+          <p:cNvPr id="24" name="Freeform: Shape 18">
+            <a:extLst/>
+          </p:cNvPr>
+          <p:cNvSpPr>
+            <a:spLocks noGrp="1" noRot="1" noChangeAspect="1" noMove="1" noResize="1" noEditPoints="1" noAdjustHandles="1" noChangeArrowheads="1" noChangeShapeType="1" noTextEdit="1"/>
+          </p:cNvSpPr>
+          <p:nvPr>
+            <p:extLst>
+              <p:ext uri="{386F3935-93C4-4BCD-93E2-E3B085C9AB24}">
+                <p16:designElem xmlns:p16="http://schemas.microsoft.com/office/powerpoint/2015/main" val="1"/>
+              </p:ext>
+            </p:extLst>
+          </p:nvPr>
+        </p:nvSpPr>
+        <p:spPr>
+          <a:xfrm>
+            <a:off x="643466" y="643467"/>
+            <a:ext cx="10905067" cy="5571066"/>
+          </a:xfrm>
+          <a:custGeom>
+            <a:avLst/>
+            <a:gdLst>
+              <a:gd name="connsiteX0" fmla="*/ 0 w 8130198"/>
+              <a:gd name="connsiteY0" fmla="*/ 0 h 6857999"/>
+              <a:gd name="connsiteX1" fmla="*/ 7241014 w 8130198"/>
+              <a:gd name="connsiteY1" fmla="*/ 0 h 6857999"/>
+              <a:gd name="connsiteX2" fmla="*/ 8130198 w 8130198"/>
+              <a:gd name="connsiteY2" fmla="*/ 0 h 6857999"/>
+              <a:gd name="connsiteX3" fmla="*/ 8130198 w 8130198"/>
+              <a:gd name="connsiteY3" fmla="*/ 6857999 h 6857999"/>
+              <a:gd name="connsiteX4" fmla="*/ 0 w 8130198"/>
+              <a:gd name="connsiteY4" fmla="*/ 6857999 h 6857999"/>
+              <a:gd name="connsiteX5" fmla="*/ 0 w 8130198"/>
+              <a:gd name="connsiteY5" fmla="*/ 6375361 h 6857999"/>
+            </a:gdLst>
+            <a:ahLst/>
+            <a:cxnLst>
+              <a:cxn ang="0">
+                <a:pos x="connsiteX0" y="connsiteY0"/>
+              </a:cxn>
+              <a:cxn ang="0">
+                <a:pos x="connsiteX1" y="connsiteY1"/>
+              </a:cxn>
+              <a:cxn ang="0">
+                <a:pos x="connsiteX2" y="connsiteY2"/>
+              </a:cxn>
+              <a:cxn ang="0">
+                <a:pos x="connsiteX3" y="connsiteY3"/>
+              </a:cxn>
+              <a:cxn ang="0">
+                <a:pos x="connsiteX4" y="connsiteY4"/>
+              </a:cxn>
+              <a:cxn ang="0">
+                <a:pos x="connsiteX5" y="connsiteY5"/>
+              </a:cxn>
+            </a:cxnLst>
+            <a:rect l="l" t="t" r="r" b="b"/>
+            <a:pathLst>
+              <a:path w="8130198" h="6857999">
+                <a:moveTo>
+                  <a:pt x="0" y="0"/>
+                </a:moveTo>
+                <a:lnTo>
+                  <a:pt x="7241014" y="0"/>
+                </a:lnTo>
+                <a:lnTo>
+                  <a:pt x="8130198" y="0"/>
+                </a:lnTo>
+                <a:lnTo>
+                  <a:pt x="8130198" y="6857999"/>
+                </a:lnTo>
+                <a:lnTo>
+                  <a:pt x="0" y="6857999"/>
+                </a:lnTo>
+                <a:lnTo>
+                  <a:pt x="0" y="6375361"/>
+                </a:lnTo>
+                <a:close/>
+              </a:path>
+            </a:pathLst>
+          </a:custGeom>
+          <a:ln w="50800" cap="sq">
+            <a:noFill/>
+            <a:miter lim="800000"/>
+          </a:ln>
+          <a:effectLst>
+            <a:outerShdw blurRad="101600" dist="152400" dir="4380000" algn="t" rotWithShape="0">
+              <a:prstClr val="black">
+                <a:alpha val="43000"/>
+              </a:prstClr>
+            </a:outerShdw>
+          </a:effectLst>
+        </p:spPr>
+        <p:style>
+          <a:lnRef idx="1">
+            <a:schemeClr val="accent1"/>
+          </a:lnRef>
+          <a:fillRef idx="3">
+            <a:schemeClr val="accent1"/>
+          </a:fillRef>
+          <a:effectRef idx="2">
+            <a:schemeClr val="accent1"/>
+          </a:effectRef>
+          <a:fontRef idx="minor">
+            <a:schemeClr val="lt1"/>
+          </a:fontRef>
+        </p:style>
+      </p:sp>
+      <p:sp>
+        <p:nvSpPr>
+          <p:cNvPr id="25" name="5-Point Star 24">
+            <a:extLst/>
+          </p:cNvPr>
+          <p:cNvSpPr>
+            <a:spLocks noGrp="1" noRot="1" noChangeAspect="1" noMove="1" noResize="1" noEditPoints="1" noAdjustHandles="1" noChangeArrowheads="1" noChangeShapeType="1" noTextEdit="1"/>
+          </p:cNvSpPr>
+          <p:nvPr>
+            <p:extLst>
+              <p:ext uri="{386F3935-93C4-4BCD-93E2-E3B085C9AB24}">
+                <p16:designElem xmlns:p16="http://schemas.microsoft.com/office/powerpoint/2015/main" val="1"/>
+              </p:ext>
+            </p:extLst>
+          </p:nvPr>
+        </p:nvSpPr>
+        <p:spPr>
+          <a:xfrm>
+            <a:off x="5969678" y="3748085"/>
+            <a:ext cx="252644" cy="252644"/>
+          </a:xfrm>
+          <a:prstGeom prst="star5">
+            <a:avLst>
+              <a:gd name="adj" fmla="val 26693"/>
+              <a:gd name="hf" fmla="val 105146"/>
+              <a:gd name="vf" fmla="val 110557"/>
+            </a:avLst>
+          </a:prstGeom>
+          <a:solidFill>
+            <a:schemeClr val="tx1">
+              <a:alpha val="40000"/>
+            </a:schemeClr>
+          </a:solidFill>
+          <a:ln>
+            <a:noFill/>
+          </a:ln>
+        </p:spPr>
+        <p:style>
+          <a:lnRef idx="1">
+            <a:schemeClr val="accent1"/>
+          </a:lnRef>
+          <a:fillRef idx="3">
+            <a:schemeClr val="accent1"/>
+          </a:fillRef>
+          <a:effectRef idx="2">
+            <a:schemeClr val="accent1"/>
+          </a:effectRef>
+          <a:fontRef idx="minor">
+            <a:schemeClr val="lt1"/>
+          </a:fontRef>
+        </p:style>
+      </p:sp>
       <p:sp>
         <p:nvSpPr>
           <p:cNvPr id="2" name="標題 1"/>
@@ -6068,16 +6269,24 @@
             <p:ph type="ctrTitle"/>
           </p:nvPr>
         </p:nvSpPr>
-        <p:spPr/>
-        <p:txBody>
-          <a:bodyPr/>
+        <p:spPr>
+          <a:xfrm>
+            <a:off x="1218407" y="1044250"/>
+            <a:ext cx="9841574" cy="2646007"/>
+          </a:xfrm>
+        </p:spPr>
+        <p:txBody>
+          <a:bodyPr>
+            <a:normAutofit/>
+          </a:bodyPr>
           <a:lstStyle/>
           <a:p>
+            <a:pPr algn="ctr"/>
             <a:r>
-              <a:rPr lang="en-US" altLang="zh-TW" dirty="0"/>
-              <a:t>Baseball  Life</a:t>
+              <a:rPr lang="en-US" altLang="zh-TW" sz="5400" dirty="0"/>
+              <a:t>Baseball </a:t>
             </a:r>
-            <a:endParaRPr lang="zh-TW" altLang="en-US" dirty="0"/>
+            <a:endParaRPr lang="zh-TW" altLang="en-US" sz="5400" dirty="0"/>
           </a:p>
         </p:txBody>
       </p:sp>
@@ -6091,24 +6300,38 @@
             <p:ph type="subTitle" idx="1"/>
           </p:nvPr>
         </p:nvSpPr>
-        <p:spPr/>
-        <p:txBody>
-          <a:bodyPr/>
+        <p:spPr>
+          <a:xfrm>
+            <a:off x="1218408" y="4058557"/>
+            <a:ext cx="9841574" cy="1906814"/>
+          </a:xfrm>
+        </p:spPr>
+        <p:txBody>
+          <a:bodyPr>
+            <a:normAutofit/>
+          </a:bodyPr>
           <a:lstStyle/>
           <a:p>
+            <a:pPr algn="ctr"/>
             <a:r>
-              <a:rPr lang="en-US" altLang="zh-TW" dirty="0"/>
-              <a:t>Speaker : </a:t>
+              <a:rPr lang="en-US" altLang="zh-TW">
+                <a:solidFill>
+                  <a:schemeClr val="tx1">
+                    <a:lumMod val="85000"/>
+                    <a:lumOff val="15000"/>
+                  </a:schemeClr>
+                </a:solidFill>
+              </a:rPr>
+              <a:t>Speaker : Zong-Yi</a:t>
             </a:r>
-            <a:r>
-              <a:rPr lang="en-US" altLang="zh-TW" dirty="0" err="1"/>
-              <a:t>Zong</a:t>
-            </a:r>
-            <a:r>
-              <a:rPr lang="en-US" altLang="zh-TW" dirty="0"/>
-              <a:t>-Yi</a:t>
-            </a:r>
-            <a:endParaRPr lang="zh-TW" altLang="en-US" dirty="0"/>
+            <a:endParaRPr lang="zh-TW" altLang="en-US">
+              <a:solidFill>
+                <a:schemeClr val="tx1">
+                  <a:lumMod val="85000"/>
+                  <a:lumOff val="15000"/>
+                </a:schemeClr>
+              </a:solidFill>
+            </a:endParaRPr>
           </a:p>
         </p:txBody>
       </p:sp>
@@ -6122,6 +6345,18 @@
   <p:clrMapOvr>
     <a:masterClrMapping/>
   </p:clrMapOvr>
+  <mc:AlternateContent xmlns:mc="http://schemas.openxmlformats.org/markup-compatibility/2006">
+    <mc:Choice xmlns:p14="http://schemas.microsoft.com/office/powerpoint/2010/main" Requires="p14">
+      <p:transition spd="slow" p14:dur="800">
+        <p:circle/>
+      </p:transition>
+    </mc:Choice>
+    <mc:Fallback>
+      <p:transition spd="slow">
+        <p:circle/>
+      </p:transition>
+    </mc:Fallback>
+  </mc:AlternateContent>
 </p:sld>
 </file>
 
@@ -6300,6 +6535,18 @@
   <p:clrMapOvr>
     <a:masterClrMapping/>
   </p:clrMapOvr>
+  <mc:AlternateContent xmlns:mc="http://schemas.openxmlformats.org/markup-compatibility/2006">
+    <mc:Choice xmlns:p14="http://schemas.microsoft.com/office/powerpoint/2010/main" Requires="p14">
+      <p:transition spd="slow" p14:dur="3400">
+        <p14:reveal/>
+      </p:transition>
+    </mc:Choice>
+    <mc:Fallback>
+      <p:transition spd="slow">
+        <p:fade/>
+      </p:transition>
+    </mc:Fallback>
+  </mc:AlternateContent>
   <p:timing>
     <p:tnLst>
       <p:par>
@@ -7459,6 +7706,18 @@
   <p:clrMapOvr>
     <a:masterClrMapping/>
   </p:clrMapOvr>
+  <mc:AlternateContent xmlns:mc="http://schemas.openxmlformats.org/markup-compatibility/2006">
+    <mc:Choice xmlns:p14="http://schemas.microsoft.com/office/powerpoint/2010/main" Requires="p14">
+      <p:transition spd="slow" p14:dur="3400">
+        <p14:reveal/>
+      </p:transition>
+    </mc:Choice>
+    <mc:Fallback>
+      <p:transition spd="slow">
+        <p:fade/>
+      </p:transition>
+    </mc:Fallback>
+  </mc:AlternateContent>
   <p:timing>
     <p:tnLst>
       <p:par>
@@ -7610,7 +7869,7 @@
       </p:grpSpPr>
       <p:sp>
         <p:nvSpPr>
-          <p:cNvPr id="66" name="Rectangle 39"/>
+          <p:cNvPr id="21" name="Rectangle 13"/>
           <p:cNvSpPr>
             <a:spLocks noGrp="1" noRot="1" noChangeAspect="1" noMove="1" noResize="1" noEditPoints="1" noAdjustHandles="1" noChangeArrowheads="1" noChangeShapeType="1" noTextEdit="1"/>
           </p:cNvSpPr>
@@ -7654,7 +7913,7 @@
       </p:sp>
       <p:pic>
         <p:nvPicPr>
-          <p:cNvPr id="67" name="Picture 41"/>
+          <p:cNvPr id="16" name="Picture 15"/>
           <p:cNvPicPr>
             <a:picLocks noGrp="1" noRot="1" noChangeAspect="1" noMove="1" noResize="1" noEditPoints="1" noAdjustHandles="1" noChangeArrowheads="1" noChangeShapeType="1" noCrop="1"/>
           </p:cNvPicPr>
@@ -7690,7 +7949,7 @@
       </p:pic>
       <p:sp useBgFill="1">
         <p:nvSpPr>
-          <p:cNvPr id="68" name="Freeform 11"/>
+          <p:cNvPr id="23" name="Freeform 11"/>
           <p:cNvSpPr>
             <a:spLocks noGrp="1" noRot="1" noChangeAspect="1" noMove="1" noResize="1" noEditPoints="1" noAdjustHandles="1" noChangeArrowheads="1" noChangeShapeType="1" noTextEdit="1"/>
           </p:cNvSpPr>
@@ -7764,7 +8023,7 @@
       </p:sp>
       <p:sp>
         <p:nvSpPr>
-          <p:cNvPr id="69" name="Freeform 13"/>
+          <p:cNvPr id="20" name="Freeform 13"/>
           <p:cNvSpPr>
             <a:spLocks noGrp="1" noRot="1" noChangeAspect="1" noMove="1" noResize="1" noEditPoints="1" noAdjustHandles="1" noChangeArrowheads="1" noChangeShapeType="1" noTextEdit="1"/>
           </p:cNvSpPr>
@@ -7845,7 +8104,7 @@
       </p:sp>
       <p:sp>
         <p:nvSpPr>
-          <p:cNvPr id="70" name="Freeform 25"/>
+          <p:cNvPr id="22" name="Freeform 25"/>
           <p:cNvSpPr>
             <a:spLocks noGrp="1" noRot="1" noChangeAspect="1" noMove="1" noResize="1" noEditPoints="1" noAdjustHandles="1" noChangeArrowheads="1" noChangeShapeType="1" noTextEdit="1"/>
           </p:cNvSpPr>
@@ -7923,7 +8182,7 @@
       </p:sp>
       <p:sp>
         <p:nvSpPr>
-          <p:cNvPr id="71" name="Freeform 14"/>
+          <p:cNvPr id="24" name="Freeform 14"/>
           <p:cNvSpPr>
             <a:spLocks noGrp="1" noRot="1" noChangeAspect="1" noMove="1" noResize="1" noEditPoints="1" noAdjustHandles="1" noChangeArrowheads="1" noChangeShapeType="1" noTextEdit="1"/>
           </p:cNvSpPr>
@@ -7989,7 +8248,7 @@
       </p:sp>
       <p:sp>
         <p:nvSpPr>
-          <p:cNvPr id="72" name="5-Point Star 24"/>
+          <p:cNvPr id="26" name="5-Point Star 24"/>
           <p:cNvSpPr>
             <a:spLocks noGrp="1" noRot="1" noChangeAspect="1" noMove="1" noResize="1" noEditPoints="1" noAdjustHandles="1" noChangeArrowheads="1" noChangeShapeType="1" noTextEdit="1"/>
           </p:cNvSpPr>
@@ -8039,7 +8298,7 @@
       </p:sp>
       <p:pic>
         <p:nvPicPr>
-          <p:cNvPr id="73" name="Picture 53"/>
+          <p:cNvPr id="28" name="Picture 27"/>
           <p:cNvPicPr>
             <a:picLocks noGrp="1" noRot="1" noChangeAspect="1" noMove="1" noResize="1" noEditPoints="1" noAdjustHandles="1" noChangeArrowheads="1" noChangeShapeType="1" noCrop="1"/>
           </p:cNvPicPr>
@@ -8075,7 +8334,7 @@
       </p:pic>
       <p:sp useBgFill="1">
         <p:nvSpPr>
-          <p:cNvPr id="74" name="Rectangle 55"/>
+          <p:cNvPr id="30" name="Freeform 16"/>
           <p:cNvSpPr>
             <a:spLocks noGrp="1" noRot="1" noChangeAspect="1" noMove="1" noResize="1" noEditPoints="1" noAdjustHandles="1" noChangeArrowheads="1" noChangeShapeType="1" noTextEdit="1"/>
           </p:cNvSpPr>
@@ -8089,78 +8348,48 @@
         </p:nvSpPr>
         <p:spPr>
           <a:xfrm>
-            <a:off x="0" y="4256974"/>
-            <a:ext cx="12188952" cy="2601025"/>
-          </a:xfrm>
-          <a:prstGeom prst="rect">
+            <a:off x="-15875" y="0"/>
+            <a:ext cx="11683810" cy="6588125"/>
+          </a:xfrm>
+          <a:custGeom>
             <a:avLst/>
-          </a:prstGeom>
+            <a:gdLst/>
+            <a:ahLst/>
+            <a:cxnLst/>
+            <a:rect l="l" t="t" r="r" b="b"/>
+            <a:pathLst>
+              <a:path w="11683810" h="6588125">
+                <a:moveTo>
+                  <a:pt x="0" y="0"/>
+                </a:moveTo>
+                <a:lnTo>
+                  <a:pt x="11318691" y="0"/>
+                </a:lnTo>
+                <a:lnTo>
+                  <a:pt x="11683810" y="5976938"/>
+                </a:lnTo>
+                <a:lnTo>
+                  <a:pt x="15875" y="6588125"/>
+                </a:lnTo>
+                <a:cubicBezTo>
+                  <a:pt x="10583" y="4386792"/>
+                  <a:pt x="5292" y="2185458"/>
+                  <a:pt x="0" y="0"/>
+                </a:cubicBezTo>
+                <a:close/>
+              </a:path>
+            </a:pathLst>
+          </a:custGeom>
           <a:ln>
             <a:noFill/>
           </a:ln>
-          <a:effectLst/>
-        </p:spPr>
-        <p:style>
-          <a:lnRef idx="2">
-            <a:schemeClr val="accent1">
-              <a:shade val="50000"/>
-            </a:schemeClr>
-          </a:lnRef>
-          <a:fillRef idx="1">
-            <a:schemeClr val="accent1"/>
-          </a:fillRef>
-          <a:effectRef idx="0">
-            <a:schemeClr val="accent1"/>
-          </a:effectRef>
-          <a:fontRef idx="minor">
-            <a:schemeClr val="lt1"/>
-          </a:fontRef>
-        </p:style>
-        <p:txBody>
-          <a:bodyPr rtlCol="0" anchor="ctr"/>
-          <a:lstStyle/>
-          <a:p>
-            <a:pPr algn="ctr"/>
-            <a:endParaRPr lang="en-US"/>
-          </a:p>
-        </p:txBody>
-      </p:sp>
-      <p:sp>
-        <p:nvSpPr>
-          <p:cNvPr id="75" name="5-Point Star 8"/>
-          <p:cNvSpPr>
-            <a:spLocks noGrp="1" noRot="1" noChangeAspect="1" noMove="1" noResize="1" noEditPoints="1" noAdjustHandles="1" noChangeArrowheads="1" noChangeShapeType="1" noTextEdit="1"/>
-          </p:cNvSpPr>
-          <p:nvPr>
-            <p:extLst>
-              <p:ext uri="{386F3935-93C4-4BCD-93E2-E3B085C9AB24}">
-                <p16:designElem xmlns:p16="http://schemas.microsoft.com/office/powerpoint/2015/main" val="1"/>
-              </p:ext>
-            </p:extLst>
-          </p:nvPr>
-        </p:nvSpPr>
-        <p:spPr>
-          <a:xfrm>
-            <a:off x="5903408" y="6388943"/>
-            <a:ext cx="373049" cy="373049"/>
-          </a:xfrm>
-          <a:prstGeom prst="star5">
-            <a:avLst>
-              <a:gd name="adj" fmla="val 26693"/>
-              <a:gd name="hf" fmla="val 105146"/>
-              <a:gd name="vf" fmla="val 110557"/>
-            </a:avLst>
-          </a:prstGeom>
-          <a:solidFill>
-            <a:schemeClr val="tx1">
-              <a:lumMod val="65000"/>
-              <a:lumOff val="35000"/>
-              <a:alpha val="40000"/>
-            </a:schemeClr>
-          </a:solidFill>
-          <a:ln>
-            <a:noFill/>
-          </a:ln>
+          <a:effectLst>
+            <a:outerShdw blurRad="101600" dist="152400" dir="4380000" algn="tl" rotWithShape="0">
+              <a:srgbClr val="000000">
+                <a:alpha val="43000"/>
+              </a:srgbClr>
+            </a:outerShdw>
+          </a:effectLst>
         </p:spPr>
         <p:style>
           <a:lnRef idx="1">
@@ -8179,7 +8408,7 @@
       </p:sp>
       <p:sp>
         <p:nvSpPr>
-          <p:cNvPr id="76" name="Rectangle 59"/>
+          <p:cNvPr id="32" name="Freeform 18"/>
           <p:cNvSpPr>
             <a:spLocks noGrp="1" noRot="1" noChangeAspect="1" noMove="1" noResize="1" noEditPoints="1" noAdjustHandles="1" noChangeArrowheads="1" noChangeShapeType="1" noTextEdit="1"/>
           </p:cNvSpPr>
@@ -8191,60 +8420,108 @@
             </p:extLst>
           </p:nvPr>
         </p:nvSpPr>
-        <p:spPr>
+        <p:spPr bwMode="white">
           <a:xfrm>
-            <a:off x="466954" y="457201"/>
-            <a:ext cx="11261749" cy="3343894"/>
-          </a:xfrm>
-          <a:prstGeom prst="rect">
+            <a:off x="-17938" y="3165071"/>
+            <a:ext cx="11337749" cy="3146030"/>
+          </a:xfrm>
+          <a:custGeom>
             <a:avLst/>
-          </a:prstGeom>
-          <a:solidFill>
-            <a:schemeClr val="bg1"/>
-          </a:solidFill>
-          <a:ln w="57150" cmpd="thinThick">
+            <a:gdLst>
+              <a:gd name="connsiteX0" fmla="*/ 11201371 w 11337749"/>
+              <a:gd name="connsiteY0" fmla="*/ 0 h 3146030"/>
+              <a:gd name="connsiteX1" fmla="*/ 11337749 w 11337749"/>
+              <a:gd name="connsiteY1" fmla="*/ 2542023 h 3146030"/>
+              <a:gd name="connsiteX2" fmla="*/ 8492 w 11337749"/>
+              <a:gd name="connsiteY2" fmla="*/ 3146030 h 3146030"/>
+              <a:gd name="connsiteX3" fmla="*/ 2 w 11337749"/>
+              <a:gd name="connsiteY3" fmla="*/ 587735 h 3146030"/>
+              <a:gd name="connsiteX4" fmla="*/ 0 w 11337749"/>
+              <a:gd name="connsiteY4" fmla="*/ 587038 h 3146030"/>
+            </a:gdLst>
+            <a:ahLst/>
+            <a:cxnLst>
+              <a:cxn ang="0">
+                <a:pos x="connsiteX0" y="connsiteY0"/>
+              </a:cxn>
+              <a:cxn ang="0">
+                <a:pos x="connsiteX1" y="connsiteY1"/>
+              </a:cxn>
+              <a:cxn ang="0">
+                <a:pos x="connsiteX2" y="connsiteY2"/>
+              </a:cxn>
+              <a:cxn ang="0">
+                <a:pos x="connsiteX3" y="connsiteY3"/>
+              </a:cxn>
+              <a:cxn ang="0">
+                <a:pos x="connsiteX4" y="connsiteY4"/>
+              </a:cxn>
+            </a:cxnLst>
+            <a:rect l="l" t="t" r="r" b="b"/>
+            <a:pathLst>
+              <a:path w="11337749" h="3146030">
+                <a:moveTo>
+                  <a:pt x="11201371" y="0"/>
+                </a:moveTo>
+                <a:lnTo>
+                  <a:pt x="11337749" y="2542023"/>
+                </a:lnTo>
+                <a:lnTo>
+                  <a:pt x="8492" y="3146030"/>
+                </a:lnTo>
+                <a:cubicBezTo>
+                  <a:pt x="10785" y="2572498"/>
+                  <a:pt x="1900" y="1389730"/>
+                  <a:pt x="2" y="587735"/>
+                </a:cubicBezTo>
+                <a:lnTo>
+                  <a:pt x="0" y="587038"/>
+                </a:lnTo>
+                <a:close/>
+              </a:path>
+            </a:pathLst>
+          </a:custGeom>
+          <a:gradFill flip="none" rotWithShape="1">
+            <a:gsLst>
+              <a:gs pos="34000">
+                <a:schemeClr val="accent1"/>
+              </a:gs>
+              <a:gs pos="100000">
+                <a:schemeClr val="accent1">
+                  <a:lumMod val="50000"/>
+                </a:schemeClr>
+              </a:gs>
+            </a:gsLst>
+            <a:path path="circle">
+              <a:fillToRect l="50000" t="50000" r="50000" b="50000"/>
+            </a:path>
+            <a:tileRect/>
+          </a:gradFill>
+          <a:ln>
             <a:noFill/>
-            <a:miter lim="800000"/>
           </a:ln>
-          <a:effectLst>
-            <a:outerShdw blurRad="63500" sx="102000" sy="102000" algn="ctr" rotWithShape="0">
-              <a:prstClr val="black">
-                <a:alpha val="40000"/>
-              </a:prstClr>
-            </a:outerShdw>
-          </a:effectLst>
         </p:spPr>
         <p:style>
-          <a:lnRef idx="2">
-            <a:schemeClr val="accent1">
-              <a:shade val="50000"/>
-            </a:schemeClr>
+          <a:lnRef idx="1">
+            <a:schemeClr val="accent1"/>
           </a:lnRef>
-          <a:fillRef idx="1">
+          <a:fillRef idx="3">
             <a:schemeClr val="accent1"/>
           </a:fillRef>
-          <a:effectRef idx="0">
+          <a:effectRef idx="2">
             <a:schemeClr val="accent1"/>
           </a:effectRef>
           <a:fontRef idx="minor">
             <a:schemeClr val="lt1"/>
           </a:fontRef>
         </p:style>
-        <p:txBody>
-          <a:bodyPr rtlCol="0" anchor="ctr"/>
-          <a:lstStyle/>
-          <a:p>
-            <a:pPr algn="ctr"/>
-            <a:endParaRPr lang="en-US"/>
-          </a:p>
-        </p:txBody>
-      </p:sp>
-      <p:cxnSp>
-        <p:nvCxnSpPr>
-          <p:cNvPr id="77" name="Straight Connector 61"/>
-          <p:cNvCxnSpPr>
-            <a:cxnSpLocks noGrp="1" noRot="1" noChangeAspect="1" noMove="1" noResize="1" noEditPoints="1" noAdjustHandles="1" noChangeArrowheads="1" noChangeShapeType="1"/>
-          </p:cNvCxnSpPr>
+      </p:sp>
+      <p:sp>
+        <p:nvSpPr>
+          <p:cNvPr id="34" name="Freeform 20"/>
+          <p:cNvSpPr>
+            <a:spLocks noGrp="1" noRot="1" noChangeAspect="1" noMove="1" noResize="1" noEditPoints="1" noAdjustHandles="1" noChangeArrowheads="1" noChangeShapeType="1" noTextEdit="1"/>
+          </p:cNvSpPr>
           <p:nvPr>
             <p:extLst>
               <p:ext uri="{386F3935-93C4-4BCD-93E2-E3B085C9AB24}">
@@ -8252,15 +8529,34 @@
               </p:ext>
             </p:extLst>
           </p:nvPr>
-        </p:nvCxnSpPr>
-        <p:spPr>
-          <a:xfrm>
-            <a:off x="-12134" y="4491323"/>
-            <a:ext cx="12201086" cy="0"/>
-          </a:xfrm>
-          <a:prstGeom prst="line">
+        </p:nvSpPr>
+        <p:spPr>
+          <a:xfrm rot="21420000">
+            <a:off x="-161800" y="293317"/>
+            <a:ext cx="11367116" cy="5751804"/>
+          </a:xfrm>
+          <a:custGeom>
             <a:avLst/>
-          </a:prstGeom>
+            <a:gdLst/>
+            <a:ahLst/>
+            <a:cxnLst/>
+            <a:rect l="l" t="t" r="r" b="b"/>
+            <a:pathLst>
+              <a:path w="11367116" h="5751804">
+                <a:moveTo>
+                  <a:pt x="11346705" y="0"/>
+                </a:moveTo>
+                <a:cubicBezTo>
+                  <a:pt x="11353509" y="1915114"/>
+                  <a:pt x="11360312" y="3830229"/>
+                  <a:pt x="11367116" y="5745343"/>
+                </a:cubicBezTo>
+                <a:lnTo>
+                  <a:pt x="0" y="5751804"/>
+                </a:lnTo>
+              </a:path>
+            </a:pathLst>
+          </a:custGeom>
           <a:ln w="82550">
             <a:solidFill>
               <a:schemeClr val="tx1">
@@ -8285,10 +8581,60 @@
             <a:schemeClr val="tx1"/>
           </a:fontRef>
         </p:style>
-      </p:cxnSp>
+      </p:sp>
+      <p:sp>
+        <p:nvSpPr>
+          <p:cNvPr id="36" name="5-Point Star 22"/>
+          <p:cNvSpPr>
+            <a:spLocks noGrp="1" noRot="1" noChangeAspect="1" noMove="1" noResize="1" noEditPoints="1" noAdjustHandles="1" noChangeArrowheads="1" noChangeShapeType="1" noTextEdit="1"/>
+          </p:cNvSpPr>
+          <p:nvPr>
+            <p:extLst>
+              <p:ext uri="{386F3935-93C4-4BCD-93E2-E3B085C9AB24}">
+                <p16:designElem xmlns:p16="http://schemas.microsoft.com/office/powerpoint/2015/main" val="1"/>
+              </p:ext>
+            </p:extLst>
+          </p:nvPr>
+        </p:nvSpPr>
+        <p:spPr>
+          <a:xfrm rot="21420000">
+            <a:off x="5183431" y="5370202"/>
+            <a:ext cx="515386" cy="515386"/>
+          </a:xfrm>
+          <a:prstGeom prst="star5">
+            <a:avLst>
+              <a:gd name="adj" fmla="val 26693"/>
+              <a:gd name="hf" fmla="val 105146"/>
+              <a:gd name="vf" fmla="val 110557"/>
+            </a:avLst>
+          </a:prstGeom>
+          <a:solidFill>
+            <a:schemeClr val="tx1">
+              <a:alpha val="40000"/>
+            </a:schemeClr>
+          </a:solidFill>
+          <a:ln>
+            <a:noFill/>
+          </a:ln>
+        </p:spPr>
+        <p:style>
+          <a:lnRef idx="1">
+            <a:schemeClr val="accent1"/>
+          </a:lnRef>
+          <a:fillRef idx="3">
+            <a:schemeClr val="accent1"/>
+          </a:fillRef>
+          <a:effectRef idx="2">
+            <a:schemeClr val="accent1"/>
+          </a:effectRef>
+          <a:fontRef idx="minor">
+            <a:schemeClr val="lt1"/>
+          </a:fontRef>
+        </p:style>
+      </p:sp>
       <p:pic>
         <p:nvPicPr>
-          <p:cNvPr id="7" name="圖片 6" descr="一張含有 棒球, 個人, 運動, 選手 的圖片&#10;&#10;產生非常高可信度的描述"/>
+          <p:cNvPr id="7" name="圖片 6" descr="畫面剪輯"/>
           <p:cNvPicPr>
             <a:picLocks noChangeAspect="1"/>
           </p:cNvPicPr>
@@ -8296,22 +8642,73 @@
         </p:nvPicPr>
         <p:blipFill rotWithShape="1">
           <a:blip r:embed="rId4"/>
-          <a:srcRect/>
+          <a:srcRect r="4" b="3235"/>
           <a:stretch/>
         </p:blipFill>
         <p:spPr>
-          <a:xfrm rot="21600000">
-            <a:off x="5470073" y="453046"/>
-            <a:ext cx="2152338" cy="2874505"/>
-          </a:xfrm>
-          <a:prstGeom prst="rect">
+          <a:xfrm rot="21420000">
+            <a:off x="-93665" y="-87964"/>
+            <a:ext cx="3639312" cy="3630632"/>
+          </a:xfrm>
+          <a:custGeom>
             <a:avLst/>
-          </a:prstGeom>
+            <a:gdLst>
+              <a:gd name="connsiteX0" fmla="*/ 186433 w 3639312"/>
+              <a:gd name="connsiteY0" fmla="*/ 0 h 3630632"/>
+              <a:gd name="connsiteX1" fmla="*/ 3639312 w 3639312"/>
+              <a:gd name="connsiteY1" fmla="*/ 180958 h 3630632"/>
+              <a:gd name="connsiteX2" fmla="*/ 3639312 w 3639312"/>
+              <a:gd name="connsiteY2" fmla="*/ 3630632 h 3630632"/>
+              <a:gd name="connsiteX3" fmla="*/ 0 w 3639312"/>
+              <a:gd name="connsiteY3" fmla="*/ 3630632 h 3630632"/>
+              <a:gd name="connsiteX4" fmla="*/ 0 w 3639312"/>
+              <a:gd name="connsiteY4" fmla="*/ 3557347 h 3630632"/>
+            </a:gdLst>
+            <a:ahLst/>
+            <a:cxnLst>
+              <a:cxn ang="0">
+                <a:pos x="connsiteX0" y="connsiteY0"/>
+              </a:cxn>
+              <a:cxn ang="0">
+                <a:pos x="connsiteX1" y="connsiteY1"/>
+              </a:cxn>
+              <a:cxn ang="0">
+                <a:pos x="connsiteX2" y="connsiteY2"/>
+              </a:cxn>
+              <a:cxn ang="0">
+                <a:pos x="connsiteX3" y="connsiteY3"/>
+              </a:cxn>
+              <a:cxn ang="0">
+                <a:pos x="connsiteX4" y="connsiteY4"/>
+              </a:cxn>
+            </a:cxnLst>
+            <a:rect l="l" t="t" r="r" b="b"/>
+            <a:pathLst>
+              <a:path w="3639312" h="3630632">
+                <a:moveTo>
+                  <a:pt x="186433" y="0"/>
+                </a:moveTo>
+                <a:lnTo>
+                  <a:pt x="3639312" y="180958"/>
+                </a:lnTo>
+                <a:lnTo>
+                  <a:pt x="3639312" y="3630632"/>
+                </a:lnTo>
+                <a:lnTo>
+                  <a:pt x="0" y="3630632"/>
+                </a:lnTo>
+                <a:lnTo>
+                  <a:pt x="0" y="3557347"/>
+                </a:lnTo>
+                <a:close/>
+              </a:path>
+            </a:pathLst>
+          </a:custGeom>
         </p:spPr>
       </p:pic>
       <p:pic>
         <p:nvPicPr>
-          <p:cNvPr id="12" name="內容版面配置區 4" descr="一張含有 個人, 棒球, 選手, 室外 的圖片&#10;&#10;產生非常高可信度的描述"/>
+          <p:cNvPr id="9" name="圖片 8" descr="畫面剪輯"/>
           <p:cNvPicPr>
             <a:picLocks noChangeAspect="1"/>
           </p:cNvPicPr>
@@ -8319,40 +8716,128 @@
         </p:nvPicPr>
         <p:blipFill rotWithShape="1">
           <a:blip r:embed="rId5"/>
-          <a:srcRect/>
+          <a:srcRect l="1356" r="783" b="-1"/>
           <a:stretch/>
         </p:blipFill>
         <p:spPr>
-          <a:xfrm rot="21600000">
-            <a:off x="950202" y="735541"/>
-            <a:ext cx="3528876" cy="2520625"/>
-          </a:xfrm>
-          <a:prstGeom prst="rect">
+          <a:xfrm rot="21420000">
+            <a:off x="7391051" y="-87706"/>
+            <a:ext cx="3639312" cy="3250912"/>
+          </a:xfrm>
+          <a:custGeom>
             <a:avLst/>
-          </a:prstGeom>
+            <a:gdLst>
+              <a:gd name="connsiteX0" fmla="*/ 0 w 3639312"/>
+              <a:gd name="connsiteY0" fmla="*/ 0 h 3436924"/>
+              <a:gd name="connsiteX1" fmla="*/ 3639312 w 3639312"/>
+              <a:gd name="connsiteY1" fmla="*/ 190729 h 3436924"/>
+              <a:gd name="connsiteX2" fmla="*/ 3639312 w 3639312"/>
+              <a:gd name="connsiteY2" fmla="*/ 3436924 h 3436924"/>
+              <a:gd name="connsiteX3" fmla="*/ 0 w 3639312"/>
+              <a:gd name="connsiteY3" fmla="*/ 3436924 h 3436924"/>
+            </a:gdLst>
+            <a:ahLst/>
+            <a:cxnLst>
+              <a:cxn ang="0">
+                <a:pos x="connsiteX0" y="connsiteY0"/>
+              </a:cxn>
+              <a:cxn ang="0">
+                <a:pos x="connsiteX1" y="connsiteY1"/>
+              </a:cxn>
+              <a:cxn ang="0">
+                <a:pos x="connsiteX2" y="connsiteY2"/>
+              </a:cxn>
+              <a:cxn ang="0">
+                <a:pos x="connsiteX3" y="connsiteY3"/>
+              </a:cxn>
+            </a:cxnLst>
+            <a:rect l="l" t="t" r="r" b="b"/>
+            <a:pathLst>
+              <a:path w="3639312" h="3436924">
+                <a:moveTo>
+                  <a:pt x="0" y="0"/>
+                </a:moveTo>
+                <a:lnTo>
+                  <a:pt x="3639312" y="190729"/>
+                </a:lnTo>
+                <a:lnTo>
+                  <a:pt x="3639312" y="3436924"/>
+                </a:lnTo>
+                <a:lnTo>
+                  <a:pt x="0" y="3436924"/>
+                </a:lnTo>
+                <a:close/>
+              </a:path>
+            </a:pathLst>
+          </a:custGeom>
         </p:spPr>
       </p:pic>
       <p:pic>
         <p:nvPicPr>
-          <p:cNvPr id="9" name="圖片 8" descr="一張含有 個人, 棒球, 選手, 體育競賽 的圖片&#10;&#10;產生非常高可信度的描述"/>
+          <p:cNvPr id="5" name="內容版面配置區 4" descr="畫面剪輯"/>
           <p:cNvPicPr>
-            <a:picLocks noChangeAspect="1"/>
+            <a:picLocks noGrp="1" noChangeAspect="1"/>
           </p:cNvPicPr>
-          <p:nvPr/>
+          <p:nvPr>
+            <p:ph sz="quarter" idx="13"/>
+          </p:nvPr>
         </p:nvPicPr>
         <p:blipFill rotWithShape="1">
           <a:blip r:embed="rId6"/>
-          <a:srcRect/>
+          <a:srcRect r="7547" b="1"/>
           <a:stretch/>
         </p:blipFill>
         <p:spPr>
-          <a:xfrm rot="21600000">
-            <a:off x="8932057" y="487734"/>
-            <a:ext cx="1912852" cy="2874505"/>
-          </a:xfrm>
-          <a:prstGeom prst="rect">
+          <a:xfrm rot="21420000">
+            <a:off x="3678415" y="-87835"/>
+            <a:ext cx="3639312" cy="3441274"/>
+          </a:xfrm>
+          <a:custGeom>
             <a:avLst/>
-          </a:prstGeom>
+            <a:gdLst>
+              <a:gd name="connsiteX0" fmla="*/ 0 w 3639312"/>
+              <a:gd name="connsiteY0" fmla="*/ 0 h 3237657"/>
+              <a:gd name="connsiteX1" fmla="*/ 3639312 w 3639312"/>
+              <a:gd name="connsiteY1" fmla="*/ 190728 h 3237657"/>
+              <a:gd name="connsiteX2" fmla="*/ 3639312 w 3639312"/>
+              <a:gd name="connsiteY2" fmla="*/ 3237657 h 3237657"/>
+              <a:gd name="connsiteX3" fmla="*/ 0 w 3639312"/>
+              <a:gd name="connsiteY3" fmla="*/ 3237657 h 3237657"/>
+            </a:gdLst>
+            <a:ahLst/>
+            <a:cxnLst>
+              <a:cxn ang="0">
+                <a:pos x="connsiteX0" y="connsiteY0"/>
+              </a:cxn>
+              <a:cxn ang="0">
+                <a:pos x="connsiteX1" y="connsiteY1"/>
+              </a:cxn>
+              <a:cxn ang="0">
+                <a:pos x="connsiteX2" y="connsiteY2"/>
+              </a:cxn>
+              <a:cxn ang="0">
+                <a:pos x="connsiteX3" y="connsiteY3"/>
+              </a:cxn>
+            </a:cxnLst>
+            <a:rect l="l" t="t" r="r" b="b"/>
+            <a:pathLst>
+              <a:path w="3639312" h="3237657">
+                <a:moveTo>
+                  <a:pt x="0" y="0"/>
+                </a:moveTo>
+                <a:lnTo>
+                  <a:pt x="3639312" y="190728"/>
+                </a:lnTo>
+                <a:lnTo>
+                  <a:pt x="3639312" y="3237657"/>
+                </a:lnTo>
+                <a:lnTo>
+                  <a:pt x="0" y="3237657"/>
+                </a:lnTo>
+                <a:close/>
+              </a:path>
+            </a:pathLst>
+          </a:custGeom>
         </p:spPr>
       </p:pic>
       <p:sp>
@@ -8366,128 +8851,51 @@
           </p:nvPr>
         </p:nvSpPr>
         <p:spPr>
-          <a:xfrm>
-            <a:off x="318115" y="4945247"/>
-            <a:ext cx="10818199" cy="1075211"/>
+          <a:xfrm rot="21420000">
+            <a:off x="532474" y="3680423"/>
+            <a:ext cx="10178799" cy="1346996"/>
           </a:xfrm>
         </p:spPr>
         <p:txBody>
           <a:bodyPr vert="horz" lIns="91440" tIns="45720" rIns="91440" bIns="45720" rtlCol="0" anchor="b">
-            <a:normAutofit fontScale="90000"/>
+            <a:normAutofit/>
           </a:bodyPr>
           <a:lstStyle/>
           <a:p>
-            <a:pPr algn="ctr"/>
+            <a:pPr algn="r"/>
             <a:r>
-              <a:rPr lang="en-US" altLang="zh-TW" sz="8000" dirty="0"/>
-              <a:t>Favorite  Player</a:t>
+              <a:rPr lang="en-US" altLang="zh-TW" sz="8000" dirty="0">
+                <a:solidFill>
+                  <a:schemeClr val="bg1"/>
+                </a:solidFill>
+              </a:rPr>
+              <a:t>Unlucky man </a:t>
             </a:r>
-          </a:p>
-        </p:txBody>
-      </p:sp>
-      <p:sp>
-        <p:nvSpPr>
-          <p:cNvPr id="5" name="文字方塊 4"/>
-          <p:cNvSpPr txBox="1"/>
-          <p:nvPr/>
-        </p:nvSpPr>
-        <p:spPr>
-          <a:xfrm>
-            <a:off x="1223004" y="3320049"/>
-            <a:ext cx="2985247" cy="369332"/>
-          </a:xfrm>
-          <a:prstGeom prst="rect">
-            <a:avLst/>
-          </a:prstGeom>
-          <a:noFill/>
-        </p:spPr>
-        <p:txBody>
-          <a:bodyPr wrap="square" rtlCol="0">
-            <a:spAutoFit/>
-          </a:bodyPr>
-          <a:lstStyle/>
-          <a:p>
-            <a:pPr algn="ctr"/>
-            <a:r>
-              <a:rPr lang="en-US" altLang="zh-TW" dirty="0"/>
-              <a:t>2005~2009</a:t>
-            </a:r>
-            <a:endParaRPr lang="zh-TW" altLang="en-US" dirty="0"/>
-          </a:p>
-        </p:txBody>
-      </p:sp>
-      <p:sp>
-        <p:nvSpPr>
-          <p:cNvPr id="10" name="文字方塊 9"/>
-          <p:cNvSpPr txBox="1"/>
-          <p:nvPr/>
-        </p:nvSpPr>
-        <p:spPr>
-          <a:xfrm>
-            <a:off x="5727215" y="3389159"/>
-            <a:ext cx="1618299" cy="369332"/>
-          </a:xfrm>
-          <a:prstGeom prst="rect">
-            <a:avLst/>
-          </a:prstGeom>
-          <a:noFill/>
-        </p:spPr>
-        <p:txBody>
-          <a:bodyPr wrap="square" rtlCol="0">
-            <a:spAutoFit/>
-          </a:bodyPr>
-          <a:lstStyle/>
-          <a:p>
-            <a:pPr algn="ctr"/>
-            <a:r>
-              <a:rPr lang="en-US" altLang="zh-TW" dirty="0"/>
-              <a:t>2009</a:t>
-            </a:r>
-            <a:endParaRPr lang="zh-TW" altLang="en-US" dirty="0"/>
-          </a:p>
-        </p:txBody>
-      </p:sp>
-      <p:sp>
-        <p:nvSpPr>
-          <p:cNvPr id="13" name="文字方塊 12"/>
-          <p:cNvSpPr txBox="1"/>
-          <p:nvPr/>
-        </p:nvSpPr>
-        <p:spPr>
-          <a:xfrm>
-            <a:off x="9255183" y="3406438"/>
-            <a:ext cx="1447262" cy="369332"/>
-          </a:xfrm>
-          <a:prstGeom prst="rect">
-            <a:avLst/>
-          </a:prstGeom>
-          <a:noFill/>
-        </p:spPr>
-        <p:txBody>
-          <a:bodyPr wrap="square" rtlCol="0">
-            <a:spAutoFit/>
-          </a:bodyPr>
-          <a:lstStyle/>
-          <a:p>
-            <a:pPr algn="ctr"/>
-            <a:r>
-              <a:rPr lang="en-US" altLang="zh-TW" dirty="0"/>
-              <a:t>2016</a:t>
-            </a:r>
-            <a:endParaRPr lang="zh-TW" altLang="en-US" dirty="0"/>
           </a:p>
         </p:txBody>
       </p:sp>
     </p:spTree>
     <p:extLst>
       <p:ext uri="{BB962C8B-B14F-4D97-AF65-F5344CB8AC3E}">
-        <p14:creationId xmlns:p14="http://schemas.microsoft.com/office/powerpoint/2010/main" val="3408332626"/>
+        <p14:creationId xmlns:p14="http://schemas.microsoft.com/office/powerpoint/2010/main" val="1704629620"/>
       </p:ext>
     </p:extLst>
   </p:cSld>
   <p:clrMapOvr>
     <a:masterClrMapping/>
   </p:clrMapOvr>
+  <mc:AlternateContent xmlns:mc="http://schemas.openxmlformats.org/markup-compatibility/2006">
+    <mc:Choice xmlns:p14="http://schemas.microsoft.com/office/powerpoint/2010/main" Requires="p14">
+      <p:transition spd="slow" p14:dur="3400">
+        <p14:reveal/>
+      </p:transition>
+    </mc:Choice>
+    <mc:Fallback>
+      <p:transition spd="slow">
+        <p:fade/>
+      </p:transition>
+    </mc:Fallback>
+  </mc:AlternateContent>
   <p:timing>
     <p:tnLst>
       <p:par>
@@ -8509,7 +8917,7 @@
                             </p:stCondLst>
                             <p:childTnLst>
                               <p:par>
-                                <p:cTn id="5" presetID="6" presetClass="entr" presetSubtype="16" fill="hold" nodeType="clickEffect">
+                                <p:cTn id="5" presetID="10" presetClass="entr" presetSubtype="0" fill="hold" nodeType="clickEffect">
                                   <p:stCondLst>
                                     <p:cond delay="0"/>
                                   </p:stCondLst>
@@ -8522,7 +8930,7 @@
                                           </p:stCondLst>
                                         </p:cTn>
                                         <p:tgtEl>
-                                          <p:spTgt spid="12"/>
+                                          <p:spTgt spid="7"/>
                                         </p:tgtEl>
                                         <p:attrNameLst>
                                           <p:attrName>style.visibility</p:attrName>
@@ -8532,11 +8940,11 @@
                                         <p:strVal val="visible"/>
                                       </p:to>
                                     </p:set>
-                                    <p:animEffect transition="in" filter="circle(in)">
+                                    <p:animEffect transition="in" filter="fade">
                                       <p:cBhvr>
-                                        <p:cTn id="7" dur="2000"/>
+                                        <p:cTn id="7" dur="500"/>
                                         <p:tgtEl>
-                                          <p:spTgt spid="12"/>
+                                          <p:spTgt spid="7"/>
                                         </p:tgtEl>
                                       </p:cBhvr>
                                     </p:animEffect>
@@ -8562,7 +8970,7 @@
                             </p:stCondLst>
                             <p:childTnLst>
                               <p:par>
-                                <p:cTn id="10" presetID="42" presetClass="entr" presetSubtype="0" fill="hold" grpId="0" nodeType="clickEffect">
+                                <p:cTn id="10" presetID="6" presetClass="entr" presetSubtype="16" fill="hold" nodeType="clickEffect">
                                   <p:stCondLst>
                                     <p:cond delay="0"/>
                                   </p:stCondLst>
@@ -8585,19 +8993,72 @@
                                         <p:strVal val="visible"/>
                                       </p:to>
                                     </p:set>
-                                    <p:animEffect transition="in" filter="fade">
+                                    <p:animEffect transition="in" filter="circle(in)">
                                       <p:cBhvr>
-                                        <p:cTn id="12" dur="1000"/>
+                                        <p:cTn id="12" dur="2000"/>
                                         <p:tgtEl>
                                           <p:spTgt spid="5"/>
                                         </p:tgtEl>
                                       </p:cBhvr>
                                     </p:animEffect>
+                                  </p:childTnLst>
+                                </p:cTn>
+                              </p:par>
+                            </p:childTnLst>
+                          </p:cTn>
+                        </p:par>
+                      </p:childTnLst>
+                    </p:cTn>
+                  </p:par>
+                  <p:par>
+                    <p:cTn id="13" fill="hold">
+                      <p:stCondLst>
+                        <p:cond delay="indefinite"/>
+                      </p:stCondLst>
+                      <p:childTnLst>
+                        <p:par>
+                          <p:cTn id="14" fill="hold">
+                            <p:stCondLst>
+                              <p:cond delay="0"/>
+                            </p:stCondLst>
+                            <p:childTnLst>
+                              <p:par>
+                                <p:cTn id="15" presetID="42" presetClass="entr" presetSubtype="0" fill="hold" nodeType="clickEffect">
+                                  <p:stCondLst>
+                                    <p:cond delay="0"/>
+                                  </p:stCondLst>
+                                  <p:childTnLst>
+                                    <p:set>
+                                      <p:cBhvr>
+                                        <p:cTn id="16" dur="1" fill="hold">
+                                          <p:stCondLst>
+                                            <p:cond delay="0"/>
+                                          </p:stCondLst>
+                                        </p:cTn>
+                                        <p:tgtEl>
+                                          <p:spTgt spid="9"/>
+                                        </p:tgtEl>
+                                        <p:attrNameLst>
+                                          <p:attrName>style.visibility</p:attrName>
+                                        </p:attrNameLst>
+                                      </p:cBhvr>
+                                      <p:to>
+                                        <p:strVal val="visible"/>
+                                      </p:to>
+                                    </p:set>
+                                    <p:animEffect transition="in" filter="fade">
+                                      <p:cBhvr>
+                                        <p:cTn id="17" dur="1000"/>
+                                        <p:tgtEl>
+                                          <p:spTgt spid="9"/>
+                                        </p:tgtEl>
+                                      </p:cBhvr>
+                                    </p:animEffect>
                                     <p:anim calcmode="lin" valueType="num">
                                       <p:cBhvr>
-                                        <p:cTn id="13" dur="1000" fill="hold"/>
+                                        <p:cTn id="18" dur="1000" fill="hold"/>
                                         <p:tgtEl>
-                                          <p:spTgt spid="5"/>
+                                          <p:spTgt spid="9"/>
                                         </p:tgtEl>
                                         <p:attrNameLst>
                                           <p:attrName>ppt_x</p:attrName>
@@ -8618,313 +9079,9 @@
                                     </p:anim>
                                     <p:anim calcmode="lin" valueType="num">
                                       <p:cBhvr>
-                                        <p:cTn id="14" dur="1000" fill="hold"/>
-                                        <p:tgtEl>
-                                          <p:spTgt spid="5"/>
-                                        </p:tgtEl>
-                                        <p:attrNameLst>
-                                          <p:attrName>ppt_y</p:attrName>
-                                        </p:attrNameLst>
-                                      </p:cBhvr>
-                                      <p:tavLst>
-                                        <p:tav tm="0">
-                                          <p:val>
-                                            <p:strVal val="#ppt_y+.1"/>
-                                          </p:val>
-                                        </p:tav>
-                                        <p:tav tm="100000">
-                                          <p:val>
-                                            <p:strVal val="#ppt_y"/>
-                                          </p:val>
-                                        </p:tav>
-                                      </p:tavLst>
-                                    </p:anim>
-                                  </p:childTnLst>
-                                </p:cTn>
-                              </p:par>
-                            </p:childTnLst>
-                          </p:cTn>
-                        </p:par>
-                      </p:childTnLst>
-                    </p:cTn>
-                  </p:par>
-                  <p:par>
-                    <p:cTn id="15" fill="hold">
-                      <p:stCondLst>
-                        <p:cond delay="indefinite"/>
-                      </p:stCondLst>
-                      <p:childTnLst>
-                        <p:par>
-                          <p:cTn id="16" fill="hold">
-                            <p:stCondLst>
-                              <p:cond delay="0"/>
-                            </p:stCondLst>
-                            <p:childTnLst>
-                              <p:par>
-                                <p:cTn id="17" presetID="6" presetClass="entr" presetSubtype="16" fill="hold" nodeType="clickEffect">
-                                  <p:stCondLst>
-                                    <p:cond delay="0"/>
-                                  </p:stCondLst>
-                                  <p:childTnLst>
-                                    <p:set>
-                                      <p:cBhvr>
-                                        <p:cTn id="18" dur="1" fill="hold">
-                                          <p:stCondLst>
-                                            <p:cond delay="0"/>
-                                          </p:stCondLst>
-                                        </p:cTn>
-                                        <p:tgtEl>
-                                          <p:spTgt spid="7"/>
-                                        </p:tgtEl>
-                                        <p:attrNameLst>
-                                          <p:attrName>style.visibility</p:attrName>
-                                        </p:attrNameLst>
-                                      </p:cBhvr>
-                                      <p:to>
-                                        <p:strVal val="visible"/>
-                                      </p:to>
-                                    </p:set>
-                                    <p:animEffect transition="in" filter="circle(in)">
-                                      <p:cBhvr>
-                                        <p:cTn id="19" dur="2000"/>
-                                        <p:tgtEl>
-                                          <p:spTgt spid="7"/>
-                                        </p:tgtEl>
-                                      </p:cBhvr>
-                                    </p:animEffect>
-                                  </p:childTnLst>
-                                </p:cTn>
-                              </p:par>
-                            </p:childTnLst>
-                          </p:cTn>
-                        </p:par>
-                      </p:childTnLst>
-                    </p:cTn>
-                  </p:par>
-                  <p:par>
-                    <p:cTn id="20" fill="hold">
-                      <p:stCondLst>
-                        <p:cond delay="indefinite"/>
-                      </p:stCondLst>
-                      <p:childTnLst>
-                        <p:par>
-                          <p:cTn id="21" fill="hold">
-                            <p:stCondLst>
-                              <p:cond delay="0"/>
-                            </p:stCondLst>
-                            <p:childTnLst>
-                              <p:par>
-                                <p:cTn id="22" presetID="42" presetClass="entr" presetSubtype="0" fill="hold" grpId="0" nodeType="clickEffect">
-                                  <p:stCondLst>
-                                    <p:cond delay="0"/>
-                                  </p:stCondLst>
-                                  <p:childTnLst>
-                                    <p:set>
-                                      <p:cBhvr>
-                                        <p:cTn id="23" dur="1" fill="hold">
-                                          <p:stCondLst>
-                                            <p:cond delay="0"/>
-                                          </p:stCondLst>
-                                        </p:cTn>
-                                        <p:tgtEl>
-                                          <p:spTgt spid="10"/>
-                                        </p:tgtEl>
-                                        <p:attrNameLst>
-                                          <p:attrName>style.visibility</p:attrName>
-                                        </p:attrNameLst>
-                                      </p:cBhvr>
-                                      <p:to>
-                                        <p:strVal val="visible"/>
-                                      </p:to>
-                                    </p:set>
-                                    <p:animEffect transition="in" filter="fade">
-                                      <p:cBhvr>
-                                        <p:cTn id="24" dur="1000"/>
-                                        <p:tgtEl>
-                                          <p:spTgt spid="10"/>
-                                        </p:tgtEl>
-                                      </p:cBhvr>
-                                    </p:animEffect>
-                                    <p:anim calcmode="lin" valueType="num">
-                                      <p:cBhvr>
-                                        <p:cTn id="25" dur="1000" fill="hold"/>
-                                        <p:tgtEl>
-                                          <p:spTgt spid="10"/>
-                                        </p:tgtEl>
-                                        <p:attrNameLst>
-                                          <p:attrName>ppt_x</p:attrName>
-                                        </p:attrNameLst>
-                                      </p:cBhvr>
-                                      <p:tavLst>
-                                        <p:tav tm="0">
-                                          <p:val>
-                                            <p:strVal val="#ppt_x"/>
-                                          </p:val>
-                                        </p:tav>
-                                        <p:tav tm="100000">
-                                          <p:val>
-                                            <p:strVal val="#ppt_x"/>
-                                          </p:val>
-                                        </p:tav>
-                                      </p:tavLst>
-                                    </p:anim>
-                                    <p:anim calcmode="lin" valueType="num">
-                                      <p:cBhvr>
-                                        <p:cTn id="26" dur="1000" fill="hold"/>
-                                        <p:tgtEl>
-                                          <p:spTgt spid="10"/>
-                                        </p:tgtEl>
-                                        <p:attrNameLst>
-                                          <p:attrName>ppt_y</p:attrName>
-                                        </p:attrNameLst>
-                                      </p:cBhvr>
-                                      <p:tavLst>
-                                        <p:tav tm="0">
-                                          <p:val>
-                                            <p:strVal val="#ppt_y+.1"/>
-                                          </p:val>
-                                        </p:tav>
-                                        <p:tav tm="100000">
-                                          <p:val>
-                                            <p:strVal val="#ppt_y"/>
-                                          </p:val>
-                                        </p:tav>
-                                      </p:tavLst>
-                                    </p:anim>
-                                  </p:childTnLst>
-                                </p:cTn>
-                              </p:par>
-                            </p:childTnLst>
-                          </p:cTn>
-                        </p:par>
-                      </p:childTnLst>
-                    </p:cTn>
-                  </p:par>
-                  <p:par>
-                    <p:cTn id="27" fill="hold">
-                      <p:stCondLst>
-                        <p:cond delay="indefinite"/>
-                      </p:stCondLst>
-                      <p:childTnLst>
-                        <p:par>
-                          <p:cTn id="28" fill="hold">
-                            <p:stCondLst>
-                              <p:cond delay="0"/>
-                            </p:stCondLst>
-                            <p:childTnLst>
-                              <p:par>
-                                <p:cTn id="29" presetID="6" presetClass="entr" presetSubtype="16" fill="hold" nodeType="clickEffect">
-                                  <p:stCondLst>
-                                    <p:cond delay="0"/>
-                                  </p:stCondLst>
-                                  <p:childTnLst>
-                                    <p:set>
-                                      <p:cBhvr>
-                                        <p:cTn id="30" dur="1" fill="hold">
-                                          <p:stCondLst>
-                                            <p:cond delay="0"/>
-                                          </p:stCondLst>
-                                        </p:cTn>
+                                        <p:cTn id="19" dur="1000" fill="hold"/>
                                         <p:tgtEl>
                                           <p:spTgt spid="9"/>
-                                        </p:tgtEl>
-                                        <p:attrNameLst>
-                                          <p:attrName>style.visibility</p:attrName>
-                                        </p:attrNameLst>
-                                      </p:cBhvr>
-                                      <p:to>
-                                        <p:strVal val="visible"/>
-                                      </p:to>
-                                    </p:set>
-                                    <p:animEffect transition="in" filter="circle(in)">
-                                      <p:cBhvr>
-                                        <p:cTn id="31" dur="2000"/>
-                                        <p:tgtEl>
-                                          <p:spTgt spid="9"/>
-                                        </p:tgtEl>
-                                      </p:cBhvr>
-                                    </p:animEffect>
-                                  </p:childTnLst>
-                                </p:cTn>
-                              </p:par>
-                            </p:childTnLst>
-                          </p:cTn>
-                        </p:par>
-                      </p:childTnLst>
-                    </p:cTn>
-                  </p:par>
-                  <p:par>
-                    <p:cTn id="32" fill="hold">
-                      <p:stCondLst>
-                        <p:cond delay="indefinite"/>
-                      </p:stCondLst>
-                      <p:childTnLst>
-                        <p:par>
-                          <p:cTn id="33" fill="hold">
-                            <p:stCondLst>
-                              <p:cond delay="0"/>
-                            </p:stCondLst>
-                            <p:childTnLst>
-                              <p:par>
-                                <p:cTn id="34" presetID="42" presetClass="entr" presetSubtype="0" fill="hold" grpId="0" nodeType="clickEffect">
-                                  <p:stCondLst>
-                                    <p:cond delay="0"/>
-                                  </p:stCondLst>
-                                  <p:childTnLst>
-                                    <p:set>
-                                      <p:cBhvr>
-                                        <p:cTn id="35" dur="1" fill="hold">
-                                          <p:stCondLst>
-                                            <p:cond delay="0"/>
-                                          </p:stCondLst>
-                                        </p:cTn>
-                                        <p:tgtEl>
-                                          <p:spTgt spid="13"/>
-                                        </p:tgtEl>
-                                        <p:attrNameLst>
-                                          <p:attrName>style.visibility</p:attrName>
-                                        </p:attrNameLst>
-                                      </p:cBhvr>
-                                      <p:to>
-                                        <p:strVal val="visible"/>
-                                      </p:to>
-                                    </p:set>
-                                    <p:animEffect transition="in" filter="fade">
-                                      <p:cBhvr>
-                                        <p:cTn id="36" dur="1000"/>
-                                        <p:tgtEl>
-                                          <p:spTgt spid="13"/>
-                                        </p:tgtEl>
-                                      </p:cBhvr>
-                                    </p:animEffect>
-                                    <p:anim calcmode="lin" valueType="num">
-                                      <p:cBhvr>
-                                        <p:cTn id="37" dur="1000" fill="hold"/>
-                                        <p:tgtEl>
-                                          <p:spTgt spid="13"/>
-                                        </p:tgtEl>
-                                        <p:attrNameLst>
-                                          <p:attrName>ppt_x</p:attrName>
-                                        </p:attrNameLst>
-                                      </p:cBhvr>
-                                      <p:tavLst>
-                                        <p:tav tm="0">
-                                          <p:val>
-                                            <p:strVal val="#ppt_x"/>
-                                          </p:val>
-                                        </p:tav>
-                                        <p:tav tm="100000">
-                                          <p:val>
-                                            <p:strVal val="#ppt_x"/>
-                                          </p:val>
-                                        </p:tav>
-                                      </p:tavLst>
-                                    </p:anim>
-                                    <p:anim calcmode="lin" valueType="num">
-                                      <p:cBhvr>
-                                        <p:cTn id="38" dur="1000" fill="hold"/>
-                                        <p:tgtEl>
-                                          <p:spTgt spid="13"/>
                                         </p:tgtEl>
                                         <p:attrNameLst>
                                           <p:attrName>ppt_y</p:attrName>
@@ -8973,11 +9130,6 @@
         </p:cTn>
       </p:par>
     </p:tnLst>
-    <p:bldLst>
-      <p:bldP spid="5" grpId="0"/>
-      <p:bldP spid="10" grpId="0"/>
-      <p:bldP spid="13" grpId="0"/>
-    </p:bldLst>
   </p:timing>
 </p:sld>
 </file>
@@ -9001,6 +9153,504 @@
       </p:grpSpPr>
       <p:sp>
         <p:nvSpPr>
+          <p:cNvPr id="74" name="Rectangle 73"/>
+          <p:cNvSpPr>
+            <a:spLocks noGrp="1" noRot="1" noChangeAspect="1" noMove="1" noResize="1" noEditPoints="1" noAdjustHandles="1" noChangeArrowheads="1" noChangeShapeType="1" noTextEdit="1"/>
+          </p:cNvSpPr>
+          <p:nvPr>
+            <p:extLst>
+              <p:ext uri="{386F3935-93C4-4BCD-93E2-E3B085C9AB24}">
+                <p16:designElem xmlns:p16="http://schemas.microsoft.com/office/powerpoint/2015/main" val="1"/>
+              </p:ext>
+            </p:extLst>
+          </p:nvPr>
+        </p:nvSpPr>
+        <p:spPr bwMode="white">
+          <a:xfrm>
+            <a:off x="0" y="0"/>
+            <a:ext cx="12192000" cy="6858000"/>
+          </a:xfrm>
+          <a:prstGeom prst="rect">
+            <a:avLst/>
+          </a:prstGeom>
+          <a:blipFill>
+            <a:blip r:embed="rId2">
+              <a:duotone>
+                <a:schemeClr val="bg1">
+                  <a:shade val="48000"/>
+                  <a:satMod val="110000"/>
+                  <a:lumMod val="40000"/>
+                </a:schemeClr>
+                <a:schemeClr val="bg1">
+                  <a:tint val="90000"/>
+                  <a:lumMod val="106000"/>
+                </a:schemeClr>
+              </a:duotone>
+            </a:blip>
+            <a:stretch/>
+          </a:blipFill>
+          <a:ln>
+            <a:noFill/>
+          </a:ln>
+          <a:effectLst/>
+        </p:spPr>
+      </p:sp>
+      <p:pic>
+        <p:nvPicPr>
+          <p:cNvPr id="76" name="Picture 75"/>
+          <p:cNvPicPr>
+            <a:picLocks noGrp="1" noRot="1" noChangeAspect="1" noMove="1" noResize="1" noEditPoints="1" noAdjustHandles="1" noChangeArrowheads="1" noChangeShapeType="1" noCrop="1"/>
+          </p:cNvPicPr>
+          <p:nvPr>
+            <p:extLst>
+              <p:ext uri="{386F3935-93C4-4BCD-93E2-E3B085C9AB24}">
+                <p16:designElem xmlns:p16="http://schemas.microsoft.com/office/powerpoint/2015/main" val="1"/>
+              </p:ext>
+            </p:extLst>
+          </p:nvPr>
+        </p:nvPicPr>
+        <p:blipFill>
+          <a:blip r:embed="rId3">
+            <a:extLst>
+              <a:ext uri="{28A0092B-C50C-407E-A947-70E740481C1C}">
+                <a14:useLocalDpi xmlns:a14="http://schemas.microsoft.com/office/drawing/2010/main" val="0"/>
+              </a:ext>
+            </a:extLst>
+          </a:blip>
+          <a:stretch>
+            <a:fillRect/>
+          </a:stretch>
+        </p:blipFill>
+        <p:spPr>
+          <a:xfrm>
+            <a:off x="0" y="0"/>
+            <a:ext cx="12192000" cy="6858000"/>
+          </a:xfrm>
+          <a:prstGeom prst="rect">
+            <a:avLst/>
+          </a:prstGeom>
+        </p:spPr>
+      </p:pic>
+      <p:sp useBgFill="1">
+        <p:nvSpPr>
+          <p:cNvPr id="78" name="Freeform 11"/>
+          <p:cNvSpPr>
+            <a:spLocks noGrp="1" noRot="1" noChangeAspect="1" noMove="1" noResize="1" noEditPoints="1" noAdjustHandles="1" noChangeArrowheads="1" noChangeShapeType="1" noTextEdit="1"/>
+          </p:cNvSpPr>
+          <p:nvPr>
+            <p:extLst>
+              <p:ext uri="{386F3935-93C4-4BCD-93E2-E3B085C9AB24}">
+                <p16:designElem xmlns:p16="http://schemas.microsoft.com/office/powerpoint/2015/main" val="1"/>
+              </p:ext>
+            </p:extLst>
+          </p:nvPr>
+        </p:nvSpPr>
+        <p:spPr>
+          <a:xfrm>
+            <a:off x="-15875" y="0"/>
+            <a:ext cx="11683810" cy="6588125"/>
+          </a:xfrm>
+          <a:custGeom>
+            <a:avLst/>
+            <a:gdLst/>
+            <a:ahLst/>
+            <a:cxnLst/>
+            <a:rect l="l" t="t" r="r" b="b"/>
+            <a:pathLst>
+              <a:path w="11683810" h="6588125">
+                <a:moveTo>
+                  <a:pt x="0" y="0"/>
+                </a:moveTo>
+                <a:lnTo>
+                  <a:pt x="11318691" y="0"/>
+                </a:lnTo>
+                <a:lnTo>
+                  <a:pt x="11683810" y="5976938"/>
+                </a:lnTo>
+                <a:lnTo>
+                  <a:pt x="15875" y="6588125"/>
+                </a:lnTo>
+                <a:cubicBezTo>
+                  <a:pt x="10583" y="4386792"/>
+                  <a:pt x="5292" y="2185458"/>
+                  <a:pt x="0" y="0"/>
+                </a:cubicBezTo>
+                <a:close/>
+              </a:path>
+            </a:pathLst>
+          </a:custGeom>
+          <a:ln>
+            <a:noFill/>
+          </a:ln>
+          <a:effectLst>
+            <a:outerShdw blurRad="101600" dist="152400" dir="4380000" algn="tl" rotWithShape="0">
+              <a:srgbClr val="000000">
+                <a:alpha val="43000"/>
+              </a:srgbClr>
+            </a:outerShdw>
+          </a:effectLst>
+        </p:spPr>
+        <p:style>
+          <a:lnRef idx="1">
+            <a:schemeClr val="accent1"/>
+          </a:lnRef>
+          <a:fillRef idx="3">
+            <a:schemeClr val="accent1"/>
+          </a:fillRef>
+          <a:effectRef idx="2">
+            <a:schemeClr val="accent1"/>
+          </a:effectRef>
+          <a:fontRef idx="minor">
+            <a:schemeClr val="lt1"/>
+          </a:fontRef>
+        </p:style>
+      </p:sp>
+      <p:sp>
+        <p:nvSpPr>
+          <p:cNvPr id="80" name="Freeform 13"/>
+          <p:cNvSpPr>
+            <a:spLocks noGrp="1" noRot="1" noChangeAspect="1" noMove="1" noResize="1" noEditPoints="1" noAdjustHandles="1" noChangeArrowheads="1" noChangeShapeType="1" noTextEdit="1"/>
+          </p:cNvSpPr>
+          <p:nvPr>
+            <p:extLst>
+              <p:ext uri="{386F3935-93C4-4BCD-93E2-E3B085C9AB24}">
+                <p16:designElem xmlns:p16="http://schemas.microsoft.com/office/powerpoint/2015/main" val="1"/>
+              </p:ext>
+            </p:extLst>
+          </p:nvPr>
+        </p:nvSpPr>
+        <p:spPr>
+          <a:xfrm>
+            <a:off x="0" y="4282257"/>
+            <a:ext cx="11329257" cy="2028845"/>
+          </a:xfrm>
+          <a:custGeom>
+            <a:avLst/>
+            <a:gdLst/>
+            <a:ahLst/>
+            <a:cxnLst/>
+            <a:rect l="l" t="t" r="r" b="b"/>
+            <a:pathLst>
+              <a:path w="11329257" h="2028845">
+                <a:moveTo>
+                  <a:pt x="0" y="588520"/>
+                </a:moveTo>
+                <a:lnTo>
+                  <a:pt x="11244075" y="0"/>
+                </a:lnTo>
+                <a:lnTo>
+                  <a:pt x="11329257" y="1424838"/>
+                </a:lnTo>
+                <a:lnTo>
+                  <a:pt x="0" y="2028845"/>
+                </a:lnTo>
+                <a:lnTo>
+                  <a:pt x="0" y="588520"/>
+                </a:lnTo>
+                <a:close/>
+              </a:path>
+            </a:pathLst>
+          </a:custGeom>
+          <a:gradFill flip="none" rotWithShape="1">
+            <a:gsLst>
+              <a:gs pos="34000">
+                <a:schemeClr val="accent1"/>
+              </a:gs>
+              <a:gs pos="100000">
+                <a:schemeClr val="accent1">
+                  <a:lumMod val="50000"/>
+                </a:schemeClr>
+              </a:gs>
+            </a:gsLst>
+            <a:path path="circle">
+              <a:fillToRect l="50000" t="50000" r="50000" b="50000"/>
+            </a:path>
+            <a:tileRect/>
+          </a:gradFill>
+          <a:ln>
+            <a:noFill/>
+          </a:ln>
+        </p:spPr>
+        <p:style>
+          <a:lnRef idx="1">
+            <a:schemeClr val="accent1"/>
+          </a:lnRef>
+          <a:fillRef idx="3">
+            <a:schemeClr val="accent1"/>
+          </a:fillRef>
+          <a:effectRef idx="2">
+            <a:schemeClr val="accent1"/>
+          </a:effectRef>
+          <a:fontRef idx="minor">
+            <a:schemeClr val="lt1"/>
+          </a:fontRef>
+        </p:style>
+      </p:sp>
+      <p:sp>
+        <p:nvSpPr>
+          <p:cNvPr id="82" name="Freeform 25"/>
+          <p:cNvSpPr>
+            <a:spLocks noGrp="1" noRot="1" noChangeAspect="1" noMove="1" noResize="1" noEditPoints="1" noAdjustHandles="1" noChangeArrowheads="1" noChangeShapeType="1" noTextEdit="1"/>
+          </p:cNvSpPr>
+          <p:nvPr>
+            <p:extLst>
+              <p:ext uri="{386F3935-93C4-4BCD-93E2-E3B085C9AB24}">
+                <p16:designElem xmlns:p16="http://schemas.microsoft.com/office/powerpoint/2015/main" val="1"/>
+              </p:ext>
+            </p:extLst>
+          </p:nvPr>
+        </p:nvSpPr>
+        <p:spPr>
+          <a:xfrm>
+            <a:off x="0" y="0"/>
+            <a:ext cx="8719579" cy="456877"/>
+          </a:xfrm>
+          <a:custGeom>
+            <a:avLst/>
+            <a:gdLst/>
+            <a:ahLst/>
+            <a:cxnLst/>
+            <a:rect l="l" t="t" r="r" b="b"/>
+            <a:pathLst>
+              <a:path w="8719579" h="456877">
+                <a:moveTo>
+                  <a:pt x="0" y="0"/>
+                </a:moveTo>
+                <a:lnTo>
+                  <a:pt x="8719579" y="0"/>
+                </a:lnTo>
+                <a:lnTo>
+                  <a:pt x="0" y="456877"/>
+                </a:lnTo>
+                <a:lnTo>
+                  <a:pt x="0" y="0"/>
+                </a:lnTo>
+                <a:close/>
+              </a:path>
+            </a:pathLst>
+          </a:custGeom>
+          <a:gradFill flip="none" rotWithShape="1">
+            <a:gsLst>
+              <a:gs pos="34000">
+                <a:schemeClr val="accent1"/>
+              </a:gs>
+              <a:gs pos="100000">
+                <a:schemeClr val="accent1">
+                  <a:lumMod val="50000"/>
+                </a:schemeClr>
+              </a:gs>
+            </a:gsLst>
+            <a:path path="circle">
+              <a:fillToRect l="50000" t="50000" r="50000" b="50000"/>
+            </a:path>
+            <a:tileRect/>
+          </a:gradFill>
+          <a:ln>
+            <a:noFill/>
+          </a:ln>
+        </p:spPr>
+        <p:style>
+          <a:lnRef idx="1">
+            <a:schemeClr val="accent1"/>
+          </a:lnRef>
+          <a:fillRef idx="3">
+            <a:schemeClr val="accent1"/>
+          </a:fillRef>
+          <a:effectRef idx="2">
+            <a:schemeClr val="accent1"/>
+          </a:effectRef>
+          <a:fontRef idx="minor">
+            <a:schemeClr val="lt1"/>
+          </a:fontRef>
+        </p:style>
+      </p:sp>
+      <p:sp>
+        <p:nvSpPr>
+          <p:cNvPr id="84" name="Freeform 14"/>
+          <p:cNvSpPr>
+            <a:spLocks noGrp="1" noRot="1" noChangeAspect="1" noMove="1" noResize="1" noEditPoints="1" noAdjustHandles="1" noChangeArrowheads="1" noChangeShapeType="1" noTextEdit="1"/>
+          </p:cNvSpPr>
+          <p:nvPr>
+            <p:extLst>
+              <p:ext uri="{386F3935-93C4-4BCD-93E2-E3B085C9AB24}">
+                <p16:designElem xmlns:p16="http://schemas.microsoft.com/office/powerpoint/2015/main" val="1"/>
+              </p:ext>
+            </p:extLst>
+          </p:nvPr>
+        </p:nvSpPr>
+        <p:spPr>
+          <a:xfrm rot="21420000">
+            <a:off x="-161800" y="293317"/>
+            <a:ext cx="11367116" cy="5751804"/>
+          </a:xfrm>
+          <a:custGeom>
+            <a:avLst/>
+            <a:gdLst/>
+            <a:ahLst/>
+            <a:cxnLst/>
+            <a:rect l="l" t="t" r="r" b="b"/>
+            <a:pathLst>
+              <a:path w="11367116" h="5751804">
+                <a:moveTo>
+                  <a:pt x="11346705" y="0"/>
+                </a:moveTo>
+                <a:cubicBezTo>
+                  <a:pt x="11353509" y="1915114"/>
+                  <a:pt x="11360312" y="3830229"/>
+                  <a:pt x="11367116" y="5745343"/>
+                </a:cubicBezTo>
+                <a:lnTo>
+                  <a:pt x="0" y="5751804"/>
+                </a:lnTo>
+              </a:path>
+            </a:pathLst>
+          </a:custGeom>
+          <a:ln w="82550">
+            <a:solidFill>
+              <a:schemeClr val="tx1">
+                <a:lumMod val="50000"/>
+                <a:lumOff val="50000"/>
+              </a:schemeClr>
+            </a:solidFill>
+            <a:miter lim="800000"/>
+          </a:ln>
+        </p:spPr>
+        <p:style>
+          <a:lnRef idx="2">
+            <a:schemeClr val="accent1"/>
+          </a:lnRef>
+          <a:fillRef idx="0">
+            <a:schemeClr val="accent1"/>
+          </a:fillRef>
+          <a:effectRef idx="1">
+            <a:schemeClr val="accent1"/>
+          </a:effectRef>
+          <a:fontRef idx="minor">
+            <a:schemeClr val="tx1"/>
+          </a:fontRef>
+        </p:style>
+      </p:sp>
+      <p:sp>
+        <p:nvSpPr>
+          <p:cNvPr id="86" name="5-Point Star 24"/>
+          <p:cNvSpPr>
+            <a:spLocks noGrp="1" noRot="1" noChangeAspect="1" noMove="1" noResize="1" noEditPoints="1" noAdjustHandles="1" noChangeArrowheads="1" noChangeShapeType="1" noTextEdit="1"/>
+          </p:cNvSpPr>
+          <p:nvPr>
+            <p:extLst>
+              <p:ext uri="{386F3935-93C4-4BCD-93E2-E3B085C9AB24}">
+                <p16:designElem xmlns:p16="http://schemas.microsoft.com/office/powerpoint/2015/main" val="1"/>
+              </p:ext>
+            </p:extLst>
+          </p:nvPr>
+        </p:nvSpPr>
+        <p:spPr>
+          <a:xfrm rot="21420000">
+            <a:off x="4221385" y="5111356"/>
+            <a:ext cx="515386" cy="515386"/>
+          </a:xfrm>
+          <a:prstGeom prst="star5">
+            <a:avLst>
+              <a:gd name="adj" fmla="val 26693"/>
+              <a:gd name="hf" fmla="val 105146"/>
+              <a:gd name="vf" fmla="val 110557"/>
+            </a:avLst>
+          </a:prstGeom>
+          <a:solidFill>
+            <a:schemeClr val="tx1">
+              <a:alpha val="40000"/>
+            </a:schemeClr>
+          </a:solidFill>
+          <a:ln>
+            <a:noFill/>
+          </a:ln>
+        </p:spPr>
+        <p:style>
+          <a:lnRef idx="1">
+            <a:schemeClr val="accent1"/>
+          </a:lnRef>
+          <a:fillRef idx="3">
+            <a:schemeClr val="accent1"/>
+          </a:fillRef>
+          <a:effectRef idx="2">
+            <a:schemeClr val="accent1"/>
+          </a:effectRef>
+          <a:fontRef idx="minor">
+            <a:schemeClr val="lt1"/>
+          </a:fontRef>
+        </p:style>
+      </p:sp>
+      <p:pic>
+        <p:nvPicPr>
+          <p:cNvPr id="13" name="圖片 12" descr="一張含有 個人, 運動, 選手, 網球 的圖片&#10;&#10;產生非常高可信度的描述"/>
+          <p:cNvPicPr>
+            <a:picLocks noChangeAspect="1"/>
+          </p:cNvPicPr>
+          <p:nvPr/>
+        </p:nvPicPr>
+        <p:blipFill rotWithShape="1">
+          <a:blip r:embed="rId4"/>
+          <a:srcRect r="15445" b="1"/>
+          <a:stretch/>
+        </p:blipFill>
+        <p:spPr>
+          <a:xfrm rot="21420000">
+            <a:off x="8311605" y="176049"/>
+            <a:ext cx="2511256" cy="1926731"/>
+          </a:xfrm>
+          <a:prstGeom prst="rect">
+            <a:avLst/>
+          </a:prstGeom>
+        </p:spPr>
+      </p:pic>
+      <p:pic>
+        <p:nvPicPr>
+          <p:cNvPr id="7" name="圖片 6" descr="一張含有 個人, 運動, 男人 的圖片&#10;&#10;產生非常高可信度的描述"/>
+          <p:cNvPicPr>
+            <a:picLocks noChangeAspect="1"/>
+          </p:cNvPicPr>
+          <p:nvPr/>
+        </p:nvPicPr>
+        <p:blipFill rotWithShape="1">
+          <a:blip r:embed="rId5"/>
+          <a:srcRect l="4880" r="53060" b="1"/>
+          <a:stretch/>
+        </p:blipFill>
+        <p:spPr>
+          <a:xfrm rot="43020000">
+            <a:off x="5724910" y="314460"/>
+            <a:ext cx="2512701" cy="3975441"/>
+          </a:xfrm>
+          <a:prstGeom prst="rect">
+            <a:avLst/>
+          </a:prstGeom>
+        </p:spPr>
+      </p:pic>
+      <p:pic>
+        <p:nvPicPr>
+          <p:cNvPr id="9" name="圖片 8" descr="一張含有 草, 棒球, 個人, 選手 的圖片&#10;&#10;產生非常高可信度的描述"/>
+          <p:cNvPicPr>
+            <a:picLocks noChangeAspect="1"/>
+          </p:cNvPicPr>
+          <p:nvPr/>
+        </p:nvPicPr>
+        <p:blipFill rotWithShape="1">
+          <a:blip r:embed="rId6"/>
+          <a:srcRect l="11229" r="4072" b="1"/>
+          <a:stretch/>
+        </p:blipFill>
+        <p:spPr>
+          <a:xfrm rot="43020000">
+            <a:off x="8417063" y="2224306"/>
+            <a:ext cx="2511256" cy="1923473"/>
+          </a:xfrm>
+          <a:prstGeom prst="rect">
+            <a:avLst/>
+          </a:prstGeom>
+        </p:spPr>
+      </p:pic>
+      <p:sp>
+        <p:nvSpPr>
           <p:cNvPr id="2" name="標題 1"/>
           <p:cNvSpPr>
             <a:spLocks noGrp="1"/>
@@ -9010,34 +9660,231 @@
           </p:nvPr>
         </p:nvSpPr>
         <p:spPr>
-          <a:xfrm>
-            <a:off x="599740" y="2148840"/>
-            <a:ext cx="10396882" cy="1151965"/>
-          </a:xfrm>
-        </p:spPr>
-        <p:txBody>
-          <a:bodyPr/>
+          <a:xfrm rot="21420000">
+            <a:off x="545913" y="819033"/>
+            <a:ext cx="4478010" cy="2766528"/>
+          </a:xfrm>
+        </p:spPr>
+        <p:txBody>
+          <a:bodyPr vert="horz" lIns="91440" tIns="45720" rIns="91440" bIns="45720" rtlCol="0" anchor="b">
+            <a:normAutofit/>
+          </a:bodyPr>
           <a:lstStyle/>
           <a:p>
-            <a:pPr algn="ctr"/>
+            <a:pPr algn="r">
+              <a:lnSpc>
+                <a:spcPct val="80000"/>
+              </a:lnSpc>
+            </a:pPr>
             <a:r>
-              <a:rPr lang="en-US" altLang="zh-TW" dirty="0"/>
-              <a:t>Questions</a:t>
+              <a:rPr lang="en-US" altLang="zh-TW" sz="7000" dirty="0"/>
+              <a:t>Danger in baseball game</a:t>
             </a:r>
-            <a:endParaRPr lang="zh-TW" altLang="en-US" dirty="0"/>
           </a:p>
         </p:txBody>
       </p:sp>
     </p:spTree>
     <p:extLst>
       <p:ext uri="{BB962C8B-B14F-4D97-AF65-F5344CB8AC3E}">
-        <p14:creationId xmlns:p14="http://schemas.microsoft.com/office/powerpoint/2010/main" val="1496502658"/>
+        <p14:creationId xmlns:p14="http://schemas.microsoft.com/office/powerpoint/2010/main" val="3952524854"/>
       </p:ext>
     </p:extLst>
   </p:cSld>
   <p:clrMapOvr>
     <a:masterClrMapping/>
   </p:clrMapOvr>
+  <p:transition spd="slow">
+    <p:wipe/>
+  </p:transition>
+  <p:timing>
+    <p:tnLst>
+      <p:par>
+        <p:cTn id="1" dur="indefinite" restart="never" nodeType="tmRoot">
+          <p:childTnLst>
+            <p:seq concurrent="1" nextAc="seek">
+              <p:cTn id="2" dur="indefinite" nodeType="mainSeq">
+                <p:childTnLst>
+                  <p:par>
+                    <p:cTn id="3" fill="hold">
+                      <p:stCondLst>
+                        <p:cond delay="indefinite"/>
+                      </p:stCondLst>
+                      <p:childTnLst>
+                        <p:par>
+                          <p:cTn id="4" fill="hold">
+                            <p:stCondLst>
+                              <p:cond delay="0"/>
+                            </p:stCondLst>
+                            <p:childTnLst>
+                              <p:par>
+                                <p:cTn id="5" presetID="10" presetClass="entr" presetSubtype="0" fill="hold" nodeType="clickEffect">
+                                  <p:stCondLst>
+                                    <p:cond delay="0"/>
+                                  </p:stCondLst>
+                                  <p:childTnLst>
+                                    <p:set>
+                                      <p:cBhvr>
+                                        <p:cTn id="6" dur="1" fill="hold">
+                                          <p:stCondLst>
+                                            <p:cond delay="0"/>
+                                          </p:stCondLst>
+                                        </p:cTn>
+                                        <p:tgtEl>
+                                          <p:spTgt spid="7"/>
+                                        </p:tgtEl>
+                                        <p:attrNameLst>
+                                          <p:attrName>style.visibility</p:attrName>
+                                        </p:attrNameLst>
+                                      </p:cBhvr>
+                                      <p:to>
+                                        <p:strVal val="visible"/>
+                                      </p:to>
+                                    </p:set>
+                                    <p:animEffect transition="in" filter="fade">
+                                      <p:cBhvr>
+                                        <p:cTn id="7" dur="500"/>
+                                        <p:tgtEl>
+                                          <p:spTgt spid="7"/>
+                                        </p:tgtEl>
+                                      </p:cBhvr>
+                                    </p:animEffect>
+                                  </p:childTnLst>
+                                </p:cTn>
+                              </p:par>
+                            </p:childTnLst>
+                          </p:cTn>
+                        </p:par>
+                      </p:childTnLst>
+                    </p:cTn>
+                  </p:par>
+                  <p:par>
+                    <p:cTn id="8" fill="hold">
+                      <p:stCondLst>
+                        <p:cond delay="indefinite"/>
+                      </p:stCondLst>
+                      <p:childTnLst>
+                        <p:par>
+                          <p:cTn id="9" fill="hold">
+                            <p:stCondLst>
+                              <p:cond delay="0"/>
+                            </p:stCondLst>
+                            <p:childTnLst>
+                              <p:par>
+                                <p:cTn id="10" presetID="6" presetClass="entr" presetSubtype="16" fill="hold" nodeType="clickEffect">
+                                  <p:stCondLst>
+                                    <p:cond delay="0"/>
+                                  </p:stCondLst>
+                                  <p:childTnLst>
+                                    <p:set>
+                                      <p:cBhvr>
+                                        <p:cTn id="11" dur="1" fill="hold">
+                                          <p:stCondLst>
+                                            <p:cond delay="0"/>
+                                          </p:stCondLst>
+                                        </p:cTn>
+                                        <p:tgtEl>
+                                          <p:spTgt spid="13"/>
+                                        </p:tgtEl>
+                                        <p:attrNameLst>
+                                          <p:attrName>style.visibility</p:attrName>
+                                        </p:attrNameLst>
+                                      </p:cBhvr>
+                                      <p:to>
+                                        <p:strVal val="visible"/>
+                                      </p:to>
+                                    </p:set>
+                                    <p:animEffect transition="in" filter="circle(in)">
+                                      <p:cBhvr>
+                                        <p:cTn id="12" dur="2000"/>
+                                        <p:tgtEl>
+                                          <p:spTgt spid="13"/>
+                                        </p:tgtEl>
+                                      </p:cBhvr>
+                                    </p:animEffect>
+                                  </p:childTnLst>
+                                </p:cTn>
+                              </p:par>
+                            </p:childTnLst>
+                          </p:cTn>
+                        </p:par>
+                      </p:childTnLst>
+                    </p:cTn>
+                  </p:par>
+                  <p:par>
+                    <p:cTn id="13" fill="hold">
+                      <p:stCondLst>
+                        <p:cond delay="indefinite"/>
+                      </p:stCondLst>
+                      <p:childTnLst>
+                        <p:par>
+                          <p:cTn id="14" fill="hold">
+                            <p:stCondLst>
+                              <p:cond delay="0"/>
+                            </p:stCondLst>
+                            <p:childTnLst>
+                              <p:par>
+                                <p:cTn id="15" presetID="21" presetClass="entr" presetSubtype="1" fill="hold" nodeType="clickEffect">
+                                  <p:stCondLst>
+                                    <p:cond delay="0"/>
+                                  </p:stCondLst>
+                                  <p:childTnLst>
+                                    <p:set>
+                                      <p:cBhvr>
+                                        <p:cTn id="16" dur="1" fill="hold">
+                                          <p:stCondLst>
+                                            <p:cond delay="0"/>
+                                          </p:stCondLst>
+                                        </p:cTn>
+                                        <p:tgtEl>
+                                          <p:spTgt spid="9"/>
+                                        </p:tgtEl>
+                                        <p:attrNameLst>
+                                          <p:attrName>style.visibility</p:attrName>
+                                        </p:attrNameLst>
+                                      </p:cBhvr>
+                                      <p:to>
+                                        <p:strVal val="visible"/>
+                                      </p:to>
+                                    </p:set>
+                                    <p:animEffect transition="in" filter="wheel(1)">
+                                      <p:cBhvr>
+                                        <p:cTn id="17" dur="2000"/>
+                                        <p:tgtEl>
+                                          <p:spTgt spid="9"/>
+                                        </p:tgtEl>
+                                      </p:cBhvr>
+                                    </p:animEffect>
+                                  </p:childTnLst>
+                                </p:cTn>
+                              </p:par>
+                            </p:childTnLst>
+                          </p:cTn>
+                        </p:par>
+                      </p:childTnLst>
+                    </p:cTn>
+                  </p:par>
+                </p:childTnLst>
+              </p:cTn>
+              <p:prevCondLst>
+                <p:cond evt="onPrev" delay="0">
+                  <p:tgtEl>
+                    <p:sldTgt/>
+                  </p:tgtEl>
+                </p:cond>
+              </p:prevCondLst>
+              <p:nextCondLst>
+                <p:cond evt="onNext" delay="0">
+                  <p:tgtEl>
+                    <p:sldTgt/>
+                  </p:tgtEl>
+                </p:cond>
+              </p:nextCondLst>
+            </p:seq>
+          </p:childTnLst>
+        </p:cTn>
+      </p:par>
+    </p:tnLst>
+  </p:timing>
 </p:sld>
 </file>
 
@@ -9070,6 +9917,77 @@
         </p:nvSpPr>
         <p:spPr>
           <a:xfrm>
+            <a:off x="599740" y="2148840"/>
+            <a:ext cx="10396882" cy="1151965"/>
+          </a:xfrm>
+        </p:spPr>
+        <p:txBody>
+          <a:bodyPr/>
+          <a:lstStyle/>
+          <a:p>
+            <a:pPr algn="ctr"/>
+            <a:r>
+              <a:rPr lang="en-US" altLang="zh-TW" dirty="0"/>
+              <a:t>Questions</a:t>
+            </a:r>
+            <a:endParaRPr lang="zh-TW" altLang="en-US" dirty="0"/>
+          </a:p>
+        </p:txBody>
+      </p:sp>
+    </p:spTree>
+    <p:extLst>
+      <p:ext uri="{BB962C8B-B14F-4D97-AF65-F5344CB8AC3E}">
+        <p14:creationId xmlns:p14="http://schemas.microsoft.com/office/powerpoint/2010/main" val="1496502658"/>
+      </p:ext>
+    </p:extLst>
+  </p:cSld>
+  <p:clrMapOvr>
+    <a:masterClrMapping/>
+  </p:clrMapOvr>
+  <mc:AlternateContent xmlns:mc="http://schemas.openxmlformats.org/markup-compatibility/2006">
+    <mc:Choice xmlns:p159="http://schemas.microsoft.com/office/powerpoint/2015/09/main" Requires="p159">
+      <p:transition xmlns:p14="http://schemas.microsoft.com/office/powerpoint/2010/main" spd="slow" p14:dur="2000">
+        <p159:morph option="byObject"/>
+      </p:transition>
+    </mc:Choice>
+    <mc:Fallback>
+      <p:transition spd="slow">
+        <p:fade/>
+      </p:transition>
+    </mc:Fallback>
+  </mc:AlternateContent>
+</p:sld>
+</file>
+
+<file path=ppt/slides/slide7.xml><?xml version="1.0" encoding="utf-8"?>
+<p:sld xmlns:a="http://schemas.openxmlformats.org/drawingml/2006/main" xmlns:r="http://schemas.openxmlformats.org/officeDocument/2006/relationships" xmlns:p="http://schemas.openxmlformats.org/presentationml/2006/main">
+  <p:cSld>
+    <p:spTree>
+      <p:nvGrpSpPr>
+        <p:cNvPr id="1" name=""/>
+        <p:cNvGrpSpPr/>
+        <p:nvPr/>
+      </p:nvGrpSpPr>
+      <p:grpSpPr>
+        <a:xfrm>
+          <a:off x="0" y="0"/>
+          <a:ext cx="0" cy="0"/>
+          <a:chOff x="0" y="0"/>
+          <a:chExt cx="0" cy="0"/>
+        </a:xfrm>
+      </p:grpSpPr>
+      <p:sp>
+        <p:nvSpPr>
+          <p:cNvPr id="2" name="標題 1"/>
+          <p:cNvSpPr>
+            <a:spLocks noGrp="1"/>
+          </p:cNvSpPr>
+          <p:nvPr>
+            <p:ph type="title"/>
+          </p:nvPr>
+        </p:nvSpPr>
+        <p:spPr>
+          <a:xfrm>
             <a:off x="696558" y="2116567"/>
             <a:ext cx="10396882" cy="1151965"/>
           </a:xfrm>
@@ -9097,6 +10015,18 @@
   <p:clrMapOvr>
     <a:masterClrMapping/>
   </p:clrMapOvr>
+  <mc:AlternateContent xmlns:mc="http://schemas.openxmlformats.org/markup-compatibility/2006">
+    <mc:Choice xmlns:p159="http://schemas.microsoft.com/office/powerpoint/2015/09/main" Requires="p159">
+      <p:transition xmlns:p14="http://schemas.microsoft.com/office/powerpoint/2010/main" spd="slow" p14:dur="2000">
+        <p159:morph option="byObject"/>
+      </p:transition>
+    </mc:Choice>
+    <mc:Fallback>
+      <p:transition spd="slow">
+        <p:fade/>
+      </p:transition>
+    </mc:Fallback>
+  </mc:AlternateContent>
 </p:sld>
 </file>
 

--- a/林宗億工作室/Baseball.pptx
+++ b/林宗億工作室/Baseball.pptx
@@ -575,7 +575,7 @@
           <a:p>
             <a:fld id="{F7AFFB9B-9FB8-469E-96F9-4D32314110B6}" type="datetimeFigureOut">
               <a:rPr lang="en-US" dirty="0"/>
-              <a:t>6/12/2017</a:t>
+              <a:t>6/18/2017</a:t>
             </a:fld>
             <a:endParaRPr lang="en-US" dirty="0"/>
           </a:p>
@@ -903,7 +903,7 @@
           <a:p>
             <a:fld id="{341D2AC3-6A0B-4169-B1EA-E3AE8B351BDD}" type="datetimeFigureOut">
               <a:rPr lang="en-US" dirty="0"/>
-              <a:t>6/12/2017</a:t>
+              <a:t>6/18/2017</a:t>
             </a:fld>
             <a:endParaRPr lang="en-US" dirty="0"/>
           </a:p>
@@ -1094,7 +1094,7 @@
           <a:p>
             <a:fld id="{DD4B9363-8B87-41B7-9F8E-64519CBB8F34}" type="datetimeFigureOut">
               <a:rPr lang="en-US" dirty="0"/>
-              <a:t>6/12/2017</a:t>
+              <a:t>6/18/2017</a:t>
             </a:fld>
             <a:endParaRPr lang="en-US" dirty="0"/>
           </a:p>
@@ -1359,7 +1359,7 @@
           <a:p>
             <a:fld id="{EAEF5746-5284-4951-9F37-7AE924EDBCB7}" type="datetimeFigureOut">
               <a:rPr lang="en-US" dirty="0"/>
-              <a:t>6/12/2017</a:t>
+              <a:t>6/18/2017</a:t>
             </a:fld>
             <a:endParaRPr lang="en-US" dirty="0"/>
           </a:p>
@@ -1782,7 +1782,7 @@
           <a:p>
             <a:fld id="{02398B29-7265-4A65-A2A4-6703C057B7C1}" type="datetimeFigureOut">
               <a:rPr lang="en-US" dirty="0"/>
-              <a:t>6/12/2017</a:t>
+              <a:t>6/18/2017</a:t>
             </a:fld>
             <a:endParaRPr lang="en-US" dirty="0"/>
           </a:p>
@@ -2327,7 +2327,7 @@
           <a:p>
             <a:fld id="{28FBA082-94DF-4C4B-A041-6624924AB0A8}" type="datetimeFigureOut">
               <a:rPr lang="en-US" dirty="0"/>
-              <a:t>6/12/2017</a:t>
+              <a:t>6/18/2017</a:t>
             </a:fld>
             <a:endParaRPr lang="en-US" dirty="0"/>
           </a:p>
@@ -3112,7 +3112,7 @@
           <a:p>
             <a:fld id="{B27686C4-3AB5-4E0C-86CA-FB108C350AA9}" type="datetimeFigureOut">
               <a:rPr lang="en-US" dirty="0"/>
-              <a:t>6/12/2017</a:t>
+              <a:t>6/18/2017</a:t>
             </a:fld>
             <a:endParaRPr lang="en-US" dirty="0"/>
           </a:p>
@@ -3286,7 +3286,7 @@
           <a:p>
             <a:fld id="{49FF1211-4E0C-4AB3-B04F-585959BDAFE8}" type="datetimeFigureOut">
               <a:rPr lang="en-US" dirty="0"/>
-              <a:t>6/12/2017</a:t>
+              <a:t>6/18/2017</a:t>
             </a:fld>
             <a:endParaRPr lang="en-US" dirty="0"/>
           </a:p>
@@ -3465,7 +3465,7 @@
           <a:p>
             <a:fld id="{28BDECAF-D3BE-4069-9C78-642ECCD01477}" type="datetimeFigureOut">
               <a:rPr lang="en-US" dirty="0"/>
-              <a:t>6/12/2017</a:t>
+              <a:t>6/18/2017</a:t>
             </a:fld>
             <a:endParaRPr lang="en-US" dirty="0"/>
           </a:p>
@@ -3635,7 +3635,7 @@
           <a:p>
             <a:fld id="{8EFBDC27-E420-4878-9EE6-7B9656D6442A}" type="datetimeFigureOut">
               <a:rPr lang="en-US" dirty="0"/>
-              <a:t>6/12/2017</a:t>
+              <a:t>6/18/2017</a:t>
             </a:fld>
             <a:endParaRPr lang="en-US" dirty="0"/>
           </a:p>
@@ -3880,7 +3880,7 @@
           <a:p>
             <a:fld id="{0F7F47CF-67C9-420C-80A5-E2069FF0C2DF}" type="datetimeFigureOut">
               <a:rPr lang="en-US" dirty="0"/>
-              <a:t>6/12/2017</a:t>
+              <a:t>6/18/2017</a:t>
             </a:fld>
             <a:endParaRPr lang="en-US" dirty="0"/>
           </a:p>
@@ -4112,7 +4112,7 @@
           <a:p>
             <a:fld id="{AE22DC73-F065-42F5-A9F2-D90B2E42A0B3}" type="datetimeFigureOut">
               <a:rPr lang="en-US" dirty="0"/>
-              <a:t>6/12/2017</a:t>
+              <a:t>6/18/2017</a:t>
             </a:fld>
             <a:endParaRPr lang="en-US" dirty="0"/>
           </a:p>
@@ -4492,7 +4492,7 @@
           <a:p>
             <a:fld id="{76BEA702-9B29-41CC-9BCC-3DF8A0D379FE}" type="datetimeFigureOut">
               <a:rPr lang="en-US" dirty="0"/>
-              <a:t>6/12/2017</a:t>
+              <a:t>6/18/2017</a:t>
             </a:fld>
             <a:endParaRPr lang="en-US" dirty="0"/>
           </a:p>
@@ -4605,7 +4605,7 @@
           <a:p>
             <a:fld id="{097649AC-CB8F-4FF1-9A34-5861C74DD0A7}" type="datetimeFigureOut">
               <a:rPr lang="en-US" dirty="0"/>
-              <a:t>6/12/2017</a:t>
+              <a:t>6/18/2017</a:t>
             </a:fld>
             <a:endParaRPr lang="en-US" dirty="0"/>
           </a:p>
@@ -4695,7 +4695,7 @@
           <a:p>
             <a:fld id="{3EC5CECA-2D3A-4680-9B49-752200DE467C}" type="datetimeFigureOut">
               <a:rPr lang="en-US" dirty="0"/>
-              <a:t>6/12/2017</a:t>
+              <a:t>6/18/2017</a:t>
             </a:fld>
             <a:endParaRPr lang="en-US" dirty="0"/>
           </a:p>
@@ -4943,7 +4943,7 @@
           <a:p>
             <a:fld id="{50C3BFE2-83B7-4B0A-B9D3-AB28331082B3}" type="datetimeFigureOut">
               <a:rPr lang="en-US" dirty="0"/>
-              <a:t>6/12/2017</a:t>
+              <a:t>6/18/2017</a:t>
             </a:fld>
             <a:endParaRPr lang="en-US" dirty="0"/>
           </a:p>
@@ -5207,7 +5207,7 @@
           <a:p>
             <a:fld id="{12EF78E3-FDA3-4D28-AAA2-0B81F349A39D}" type="datetimeFigureOut">
               <a:rPr lang="en-US" dirty="0"/>
-              <a:t>6/12/2017</a:t>
+              <a:t>6/18/2017</a:t>
             </a:fld>
             <a:endParaRPr lang="en-US" dirty="0"/>
           </a:p>
@@ -5605,7 +5605,7 @@
           <a:p>
             <a:fld id="{C35BB1C6-BF8F-4481-8AB2-603A1C8A906A}" type="datetimeFigureOut">
               <a:rPr lang="en-US" dirty="0"/>
-              <a:t>6/12/2017</a:t>
+              <a:t>6/18/2017</a:t>
             </a:fld>
             <a:endParaRPr lang="en-US" dirty="0"/>
           </a:p>
@@ -6345,13 +6345,13 @@
   <p:clrMapOvr>
     <a:masterClrMapping/>
   </p:clrMapOvr>
-  <mc:AlternateContent xmlns:mc="http://schemas.openxmlformats.org/markup-compatibility/2006">
-    <mc:Choice xmlns:p14="http://schemas.microsoft.com/office/powerpoint/2010/main" Requires="p14">
+  <mc:AlternateContent xmlns:mc="http://schemas.openxmlformats.org/markup-compatibility/2006" xmlns:p14="http://schemas.microsoft.com/office/powerpoint/2010/main">
+    <mc:Choice Requires="p14">
       <p:transition spd="slow" p14:dur="800">
         <p:circle/>
       </p:transition>
     </mc:Choice>
-    <mc:Fallback>
+    <mc:Fallback xmlns="">
       <p:transition spd="slow">
         <p:circle/>
       </p:transition>
@@ -6535,13 +6535,13 @@
   <p:clrMapOvr>
     <a:masterClrMapping/>
   </p:clrMapOvr>
-  <mc:AlternateContent xmlns:mc="http://schemas.openxmlformats.org/markup-compatibility/2006">
-    <mc:Choice xmlns:p14="http://schemas.microsoft.com/office/powerpoint/2010/main" Requires="p14">
+  <mc:AlternateContent xmlns:mc="http://schemas.openxmlformats.org/markup-compatibility/2006" xmlns:p14="http://schemas.microsoft.com/office/powerpoint/2010/main">
+    <mc:Choice Requires="p14">
       <p:transition spd="slow" p14:dur="3400">
         <p14:reveal/>
       </p:transition>
     </mc:Choice>
-    <mc:Fallback>
+    <mc:Fallback xmlns="">
       <p:transition spd="slow">
         <p:fade/>
       </p:transition>
@@ -7706,13 +7706,13 @@
   <p:clrMapOvr>
     <a:masterClrMapping/>
   </p:clrMapOvr>
-  <mc:AlternateContent xmlns:mc="http://schemas.openxmlformats.org/markup-compatibility/2006">
-    <mc:Choice xmlns:p14="http://schemas.microsoft.com/office/powerpoint/2010/main" Requires="p14">
+  <mc:AlternateContent xmlns:mc="http://schemas.openxmlformats.org/markup-compatibility/2006" xmlns:p14="http://schemas.microsoft.com/office/powerpoint/2010/main">
+    <mc:Choice Requires="p14">
       <p:transition spd="slow" p14:dur="3400">
         <p14:reveal/>
       </p:transition>
     </mc:Choice>
-    <mc:Fallback>
+    <mc:Fallback xmlns="">
       <p:transition spd="slow">
         <p:fade/>
       </p:transition>
@@ -8869,7 +8869,7 @@
                   <a:schemeClr val="bg1"/>
                 </a:solidFill>
               </a:rPr>
-              <a:t>Unlucky man </a:t>
+              <a:t>unfortunate person</a:t>
             </a:r>
           </a:p>
         </p:txBody>
@@ -8884,13 +8884,13 @@
   <p:clrMapOvr>
     <a:masterClrMapping/>
   </p:clrMapOvr>
-  <mc:AlternateContent xmlns:mc="http://schemas.openxmlformats.org/markup-compatibility/2006">
-    <mc:Choice xmlns:p14="http://schemas.microsoft.com/office/powerpoint/2010/main" Requires="p14">
+  <mc:AlternateContent xmlns:mc="http://schemas.openxmlformats.org/markup-compatibility/2006" xmlns:p14="http://schemas.microsoft.com/office/powerpoint/2010/main">
+    <mc:Choice Requires="p14">
       <p:transition spd="slow" p14:dur="3400">
         <p14:reveal/>
       </p:transition>
     </mc:Choice>
-    <mc:Fallback>
+    <mc:Fallback xmlns="">
       <p:transition spd="slow">
         <p:fade/>
       </p:transition>
@@ -9944,13 +9944,13 @@
   <p:clrMapOvr>
     <a:masterClrMapping/>
   </p:clrMapOvr>
-  <mc:AlternateContent xmlns:mc="http://schemas.openxmlformats.org/markup-compatibility/2006">
-    <mc:Choice xmlns:p159="http://schemas.microsoft.com/office/powerpoint/2015/09/main" Requires="p159">
+  <mc:AlternateContent xmlns:mc="http://schemas.openxmlformats.org/markup-compatibility/2006" xmlns:p159="http://schemas.microsoft.com/office/powerpoint/2015/09/main">
+    <mc:Choice Requires="p159">
       <p:transition xmlns:p14="http://schemas.microsoft.com/office/powerpoint/2010/main" spd="slow" p14:dur="2000">
         <p159:morph option="byObject"/>
       </p:transition>
     </mc:Choice>
-    <mc:Fallback>
+    <mc:Fallback xmlns="">
       <p:transition spd="slow">
         <p:fade/>
       </p:transition>
@@ -10015,13 +10015,13 @@
   <p:clrMapOvr>
     <a:masterClrMapping/>
   </p:clrMapOvr>
-  <mc:AlternateContent xmlns:mc="http://schemas.openxmlformats.org/markup-compatibility/2006">
-    <mc:Choice xmlns:p159="http://schemas.microsoft.com/office/powerpoint/2015/09/main" Requires="p159">
+  <mc:AlternateContent xmlns:mc="http://schemas.openxmlformats.org/markup-compatibility/2006" xmlns:p159="http://schemas.microsoft.com/office/powerpoint/2015/09/main">
+    <mc:Choice Requires="p159">
       <p:transition xmlns:p14="http://schemas.microsoft.com/office/powerpoint/2010/main" spd="slow" p14:dur="2000">
         <p159:morph option="byObject"/>
       </p:transition>
     </mc:Choice>
-    <mc:Fallback>
+    <mc:Fallback xmlns="">
       <p:transition spd="slow">
         <p:fade/>
       </p:transition>
